--- a/docs/Firmware_Guide.pptx
+++ b/docs/Firmware_Guide.pptx
@@ -5,7 +5,7 @@
     <p:sldMasterId id="2147483648" r:id="rId1"/>
   </p:sldMasterIdLst>
   <p:notesMasterIdLst>
-    <p:notesMasterId r:id="rId15"/>
+    <p:notesMasterId r:id="rId17"/>
   </p:notesMasterIdLst>
   <p:sldIdLst>
     <p:sldId id="256" r:id="rId2"/>
@@ -15,12 +15,14 @@
     <p:sldId id="265" r:id="rId6"/>
     <p:sldId id="269" r:id="rId7"/>
     <p:sldId id="268" r:id="rId8"/>
-    <p:sldId id="267" r:id="rId9"/>
-    <p:sldId id="263" r:id="rId10"/>
-    <p:sldId id="266" r:id="rId11"/>
-    <p:sldId id="261" r:id="rId12"/>
-    <p:sldId id="262" r:id="rId13"/>
-    <p:sldId id="270" r:id="rId14"/>
+    <p:sldId id="272" r:id="rId9"/>
+    <p:sldId id="267" r:id="rId10"/>
+    <p:sldId id="273" r:id="rId11"/>
+    <p:sldId id="263" r:id="rId12"/>
+    <p:sldId id="266" r:id="rId13"/>
+    <p:sldId id="261" r:id="rId14"/>
+    <p:sldId id="262" r:id="rId15"/>
+    <p:sldId id="270" r:id="rId16"/>
   </p:sldIdLst>
   <p:sldSz cx="12192000" cy="6858000"/>
   <p:notesSz cx="6858000" cy="9144000"/>
@@ -209,7 +211,7 @@
           <a:p>
             <a:fld id="{B8670970-D18D-4B48-8492-7C85DA272BE1}" type="datetimeFigureOut">
               <a:rPr lang="en-US" smtClean="0"/>
-              <a:t>6/21/2024</a:t>
+              <a:t>7/17/2024</a:t>
             </a:fld>
             <a:endParaRPr lang="en-US"/>
           </a:p>
@@ -1006,7 +1008,7 @@
           <a:p>
             <a:fld id="{4ED2815A-B6E7-47AD-811E-51637A62BEDD}" type="slidenum">
               <a:rPr lang="en-US" smtClean="0"/>
-              <a:t>10</a:t>
+              <a:t>12</a:t>
             </a:fld>
             <a:endParaRPr lang="en-US"/>
           </a:p>
@@ -1120,7 +1122,7 @@
           <a:p>
             <a:fld id="{4ED2815A-B6E7-47AD-811E-51637A62BEDD}" type="slidenum">
               <a:rPr lang="en-US" smtClean="0"/>
-              <a:t>13</a:t>
+              <a:t>15</a:t>
             </a:fld>
             <a:endParaRPr lang="en-US"/>
           </a:p>
@@ -1270,7 +1272,7 @@
           <a:p>
             <a:fld id="{6EF3B71E-8A38-49DA-BD53-9F2AC5071340}" type="datetimeFigureOut">
               <a:rPr lang="en-US" smtClean="0"/>
-              <a:t>6/21/2024</a:t>
+              <a:t>7/17/2024</a:t>
             </a:fld>
             <a:endParaRPr lang="en-US"/>
           </a:p>
@@ -1440,7 +1442,7 @@
           <a:p>
             <a:fld id="{6EF3B71E-8A38-49DA-BD53-9F2AC5071340}" type="datetimeFigureOut">
               <a:rPr lang="en-US" smtClean="0"/>
-              <a:t>6/21/2024</a:t>
+              <a:t>7/17/2024</a:t>
             </a:fld>
             <a:endParaRPr lang="en-US"/>
           </a:p>
@@ -1620,7 +1622,7 @@
           <a:p>
             <a:fld id="{6EF3B71E-8A38-49DA-BD53-9F2AC5071340}" type="datetimeFigureOut">
               <a:rPr lang="en-US" smtClean="0"/>
-              <a:t>6/21/2024</a:t>
+              <a:t>7/17/2024</a:t>
             </a:fld>
             <a:endParaRPr lang="en-US"/>
           </a:p>
@@ -1790,7 +1792,7 @@
           <a:p>
             <a:fld id="{6EF3B71E-8A38-49DA-BD53-9F2AC5071340}" type="datetimeFigureOut">
               <a:rPr lang="en-US" smtClean="0"/>
-              <a:t>6/21/2024</a:t>
+              <a:t>7/17/2024</a:t>
             </a:fld>
             <a:endParaRPr lang="en-US"/>
           </a:p>
@@ -2036,7 +2038,7 @@
           <a:p>
             <a:fld id="{6EF3B71E-8A38-49DA-BD53-9F2AC5071340}" type="datetimeFigureOut">
               <a:rPr lang="en-US" smtClean="0"/>
-              <a:t>6/21/2024</a:t>
+              <a:t>7/17/2024</a:t>
             </a:fld>
             <a:endParaRPr lang="en-US"/>
           </a:p>
@@ -2268,7 +2270,7 @@
           <a:p>
             <a:fld id="{6EF3B71E-8A38-49DA-BD53-9F2AC5071340}" type="datetimeFigureOut">
               <a:rPr lang="en-US" smtClean="0"/>
-              <a:t>6/21/2024</a:t>
+              <a:t>7/17/2024</a:t>
             </a:fld>
             <a:endParaRPr lang="en-US"/>
           </a:p>
@@ -2635,7 +2637,7 @@
           <a:p>
             <a:fld id="{6EF3B71E-8A38-49DA-BD53-9F2AC5071340}" type="datetimeFigureOut">
               <a:rPr lang="en-US" smtClean="0"/>
-              <a:t>6/21/2024</a:t>
+              <a:t>7/17/2024</a:t>
             </a:fld>
             <a:endParaRPr lang="en-US"/>
           </a:p>
@@ -2753,7 +2755,7 @@
           <a:p>
             <a:fld id="{6EF3B71E-8A38-49DA-BD53-9F2AC5071340}" type="datetimeFigureOut">
               <a:rPr lang="en-US" smtClean="0"/>
-              <a:t>6/21/2024</a:t>
+              <a:t>7/17/2024</a:t>
             </a:fld>
             <a:endParaRPr lang="en-US"/>
           </a:p>
@@ -2848,7 +2850,7 @@
           <a:p>
             <a:fld id="{6EF3B71E-8A38-49DA-BD53-9F2AC5071340}" type="datetimeFigureOut">
               <a:rPr lang="en-US" smtClean="0"/>
-              <a:t>6/21/2024</a:t>
+              <a:t>7/17/2024</a:t>
             </a:fld>
             <a:endParaRPr lang="en-US"/>
           </a:p>
@@ -3125,7 +3127,7 @@
           <a:p>
             <a:fld id="{6EF3B71E-8A38-49DA-BD53-9F2AC5071340}" type="datetimeFigureOut">
               <a:rPr lang="en-US" smtClean="0"/>
-              <a:t>6/21/2024</a:t>
+              <a:t>7/17/2024</a:t>
             </a:fld>
             <a:endParaRPr lang="en-US"/>
           </a:p>
@@ -3378,7 +3380,7 @@
           <a:p>
             <a:fld id="{6EF3B71E-8A38-49DA-BD53-9F2AC5071340}" type="datetimeFigureOut">
               <a:rPr lang="en-US" smtClean="0"/>
-              <a:t>6/21/2024</a:t>
+              <a:t>7/17/2024</a:t>
             </a:fld>
             <a:endParaRPr lang="en-US"/>
           </a:p>
@@ -3591,7 +3593,7 @@
           <a:p>
             <a:fld id="{6EF3B71E-8A38-49DA-BD53-9F2AC5071340}" type="datetimeFigureOut">
               <a:rPr lang="en-US" smtClean="0"/>
-              <a:t>6/21/2024</a:t>
+              <a:t>7/17/2024</a:t>
             </a:fld>
             <a:endParaRPr lang="en-US"/>
           </a:p>
@@ -4070,46 +4072,6 @@
       </p:grpSpPr>
       <p:sp>
         <p:nvSpPr>
-          <p:cNvPr id="19" name="Rectangle 18"/>
-          <p:cNvSpPr/>
-          <p:nvPr/>
-        </p:nvSpPr>
-        <p:spPr>
-          <a:xfrm>
-            <a:off x="3052010" y="4467072"/>
-            <a:ext cx="2101516" cy="805337"/>
-          </a:xfrm>
-          <a:prstGeom prst="rect">
-            <a:avLst/>
-          </a:prstGeom>
-        </p:spPr>
-        <p:style>
-          <a:lnRef idx="2">
-            <a:schemeClr val="accent1">
-              <a:shade val="50000"/>
-            </a:schemeClr>
-          </a:lnRef>
-          <a:fillRef idx="1">
-            <a:schemeClr val="accent1"/>
-          </a:fillRef>
-          <a:effectRef idx="0">
-            <a:schemeClr val="accent1"/>
-          </a:effectRef>
-          <a:fontRef idx="minor">
-            <a:schemeClr val="lt1"/>
-          </a:fontRef>
-        </p:style>
-        <p:txBody>
-          <a:bodyPr rtlCol="0" anchor="ctr"/>
-          <a:lstStyle/>
-          <a:p>
-            <a:pPr algn="ctr"/>
-            <a:endParaRPr lang="en-US"/>
-          </a:p>
-        </p:txBody>
-      </p:sp>
-      <p:sp>
-        <p:nvSpPr>
           <p:cNvPr id="2" name="Title 1"/>
           <p:cNvSpPr>
             <a:spLocks noGrp="1"/>
@@ -4125,7 +4087,7 @@
           <a:p>
             <a:r>
               <a:rPr lang="en-US" dirty="0" smtClean="0"/>
-              <a:t>Basic Firmware Layout (Timing Details)</a:t>
+              <a:t>To Do</a:t>
             </a:r>
             <a:endParaRPr lang="en-US" dirty="0"/>
           </a:p>
@@ -4133,2095 +4095,76 @@
       </p:sp>
       <p:sp>
         <p:nvSpPr>
-          <p:cNvPr id="4" name="Rounded Rectangle 3"/>
-          <p:cNvSpPr/>
-          <p:nvPr/>
-        </p:nvSpPr>
-        <p:spPr>
-          <a:xfrm>
-            <a:off x="838200" y="3388437"/>
-            <a:ext cx="1993232" cy="491402"/>
-          </a:xfrm>
-          <a:prstGeom prst="roundRect">
-            <a:avLst/>
-          </a:prstGeom>
-        </p:spPr>
-        <p:style>
-          <a:lnRef idx="2">
-            <a:schemeClr val="accent1">
-              <a:shade val="50000"/>
-            </a:schemeClr>
-          </a:lnRef>
-          <a:fillRef idx="1">
-            <a:schemeClr val="accent1"/>
-          </a:fillRef>
-          <a:effectRef idx="0">
-            <a:schemeClr val="accent1"/>
-          </a:effectRef>
-          <a:fontRef idx="minor">
-            <a:schemeClr val="lt1"/>
-          </a:fontRef>
-        </p:style>
-        <p:txBody>
-          <a:bodyPr rtlCol="0" anchor="ctr"/>
-          <a:lstStyle/>
-          <a:p>
-            <a:pPr algn="ctr"/>
-            <a:endParaRPr lang="en-US"/>
-          </a:p>
-        </p:txBody>
-      </p:sp>
-      <p:sp>
-        <p:nvSpPr>
-          <p:cNvPr id="5" name="TextBox 4"/>
-          <p:cNvSpPr txBox="1"/>
-          <p:nvPr/>
-        </p:nvSpPr>
-        <p:spPr>
-          <a:xfrm>
-            <a:off x="946484" y="3449472"/>
-            <a:ext cx="1796716" cy="369332"/>
-          </a:xfrm>
-          <a:prstGeom prst="rect">
-            <a:avLst/>
-          </a:prstGeom>
-          <a:noFill/>
-        </p:spPr>
-        <p:txBody>
-          <a:bodyPr wrap="square" rtlCol="0">
-            <a:spAutoFit/>
-          </a:bodyPr>
-          <a:lstStyle/>
-          <a:p>
-            <a:pPr algn="ctr"/>
-            <a:r>
-              <a:rPr lang="en-US" b="1" dirty="0" smtClean="0"/>
-              <a:t>Trigger</a:t>
-            </a:r>
-          </a:p>
-        </p:txBody>
-      </p:sp>
-      <p:sp>
-        <p:nvSpPr>
-          <p:cNvPr id="8" name="TextBox 7"/>
-          <p:cNvSpPr txBox="1"/>
-          <p:nvPr/>
-        </p:nvSpPr>
-        <p:spPr>
-          <a:xfrm>
-            <a:off x="3212681" y="4546574"/>
-            <a:ext cx="1796716" cy="646331"/>
-          </a:xfrm>
-          <a:prstGeom prst="rect">
-            <a:avLst/>
-          </a:prstGeom>
-          <a:noFill/>
-        </p:spPr>
-        <p:txBody>
-          <a:bodyPr wrap="square" rtlCol="0">
-            <a:spAutoFit/>
-          </a:bodyPr>
-          <a:lstStyle/>
-          <a:p>
-            <a:pPr algn="ctr"/>
-            <a:r>
-              <a:rPr lang="en-US" b="1" dirty="0" smtClean="0"/>
-              <a:t>Retrieve</a:t>
-            </a:r>
-          </a:p>
-          <a:p>
-            <a:pPr algn="ctr"/>
-            <a:r>
-              <a:rPr lang="en-US" b="1" dirty="0" smtClean="0"/>
-              <a:t>Timestamp</a:t>
-            </a:r>
-          </a:p>
-        </p:txBody>
-      </p:sp>
-      <p:cxnSp>
-        <p:nvCxnSpPr>
-          <p:cNvPr id="22" name="Straight Arrow Connector 21"/>
-          <p:cNvCxnSpPr>
-            <a:stCxn id="19" idx="2"/>
-            <a:endCxn id="24" idx="0"/>
-          </p:cNvCxnSpPr>
-          <p:nvPr/>
-        </p:nvCxnSpPr>
-        <p:spPr>
-          <a:xfrm flipH="1">
-            <a:off x="4099510" y="5272409"/>
-            <a:ext cx="3258" cy="543028"/>
-          </a:xfrm>
-          <a:prstGeom prst="straightConnector1">
-            <a:avLst/>
-          </a:prstGeom>
-          <a:ln w="38100">
-            <a:tailEnd type="triangle"/>
-          </a:ln>
-        </p:spPr>
-        <p:style>
-          <a:lnRef idx="3">
-            <a:schemeClr val="dk1"/>
-          </a:lnRef>
-          <a:fillRef idx="0">
-            <a:schemeClr val="dk1"/>
-          </a:fillRef>
-          <a:effectRef idx="2">
-            <a:schemeClr val="dk1"/>
-          </a:effectRef>
-          <a:fontRef idx="minor">
-            <a:schemeClr val="tx1"/>
-          </a:fontRef>
-        </p:style>
-      </p:cxnSp>
-      <p:sp>
-        <p:nvSpPr>
-          <p:cNvPr id="24" name="Rounded Rectangle 23"/>
-          <p:cNvSpPr/>
-          <p:nvPr/>
-        </p:nvSpPr>
-        <p:spPr>
-          <a:xfrm>
-            <a:off x="3045493" y="5815437"/>
-            <a:ext cx="2108033" cy="821782"/>
-          </a:xfrm>
-          <a:prstGeom prst="roundRect">
-            <a:avLst/>
-          </a:prstGeom>
-          <a:solidFill>
-            <a:schemeClr val="accent2">
-              <a:lumMod val="20000"/>
-              <a:lumOff val="80000"/>
-            </a:schemeClr>
-          </a:solidFill>
-        </p:spPr>
-        <p:style>
-          <a:lnRef idx="2">
-            <a:schemeClr val="accent1">
-              <a:shade val="50000"/>
-            </a:schemeClr>
-          </a:lnRef>
-          <a:fillRef idx="1">
-            <a:schemeClr val="accent1"/>
-          </a:fillRef>
-          <a:effectRef idx="0">
-            <a:schemeClr val="accent1"/>
-          </a:effectRef>
-          <a:fontRef idx="minor">
-            <a:schemeClr val="lt1"/>
-          </a:fontRef>
-        </p:style>
-        <p:txBody>
-          <a:bodyPr rtlCol="0" anchor="ctr"/>
-          <a:lstStyle/>
-          <a:p>
-            <a:pPr algn="ctr"/>
-            <a:endParaRPr lang="en-US"/>
-          </a:p>
-        </p:txBody>
-      </p:sp>
-      <p:sp>
-        <p:nvSpPr>
-          <p:cNvPr id="26" name="TextBox 25"/>
-          <p:cNvSpPr txBox="1"/>
-          <p:nvPr/>
-        </p:nvSpPr>
-        <p:spPr>
-          <a:xfrm>
-            <a:off x="3045493" y="5903162"/>
-            <a:ext cx="2108033" cy="646331"/>
-          </a:xfrm>
-          <a:prstGeom prst="rect">
-            <a:avLst/>
-          </a:prstGeom>
-          <a:noFill/>
-        </p:spPr>
-        <p:txBody>
-          <a:bodyPr wrap="square" rtlCol="0">
-            <a:spAutoFit/>
-          </a:bodyPr>
-          <a:lstStyle/>
-          <a:p>
-            <a:pPr algn="ctr"/>
-            <a:r>
-              <a:rPr lang="en-US" b="1" dirty="0" smtClean="0"/>
-              <a:t>DCRC triggers and saves timestamp</a:t>
-            </a:r>
-            <a:endParaRPr lang="en-US" b="1" dirty="0"/>
-          </a:p>
-        </p:txBody>
-      </p:sp>
-      <p:sp>
-        <p:nvSpPr>
-          <p:cNvPr id="29" name="Rectangle 28"/>
-          <p:cNvSpPr/>
-          <p:nvPr/>
-        </p:nvSpPr>
-        <p:spPr>
-          <a:xfrm>
-            <a:off x="3052010" y="3246236"/>
-            <a:ext cx="2101516" cy="805337"/>
-          </a:xfrm>
-          <a:prstGeom prst="rect">
-            <a:avLst/>
-          </a:prstGeom>
-        </p:spPr>
-        <p:style>
-          <a:lnRef idx="2">
-            <a:schemeClr val="accent1">
-              <a:shade val="50000"/>
-            </a:schemeClr>
-          </a:lnRef>
-          <a:fillRef idx="1">
-            <a:schemeClr val="accent1"/>
-          </a:fillRef>
-          <a:effectRef idx="0">
-            <a:schemeClr val="accent1"/>
-          </a:effectRef>
-          <a:fontRef idx="minor">
-            <a:schemeClr val="lt1"/>
-          </a:fontRef>
-        </p:style>
-        <p:txBody>
-          <a:bodyPr rtlCol="0" anchor="ctr"/>
-          <a:lstStyle/>
-          <a:p>
-            <a:pPr algn="ctr"/>
-            <a:endParaRPr lang="en-US"/>
-          </a:p>
-        </p:txBody>
-      </p:sp>
-      <p:sp>
-        <p:nvSpPr>
-          <p:cNvPr id="30" name="TextBox 29"/>
-          <p:cNvSpPr txBox="1"/>
-          <p:nvPr/>
-        </p:nvSpPr>
-        <p:spPr>
-          <a:xfrm>
-            <a:off x="3184608" y="3340070"/>
-            <a:ext cx="1796716" cy="646331"/>
-          </a:xfrm>
-          <a:prstGeom prst="rect">
-            <a:avLst/>
-          </a:prstGeom>
-          <a:noFill/>
-        </p:spPr>
-        <p:txBody>
-          <a:bodyPr wrap="square" rtlCol="0">
-            <a:spAutoFit/>
-          </a:bodyPr>
-          <a:lstStyle/>
-          <a:p>
-            <a:pPr algn="ctr"/>
-            <a:r>
-              <a:rPr lang="en-US" b="1" dirty="0" smtClean="0"/>
-              <a:t>Integrate</a:t>
-            </a:r>
-          </a:p>
-          <a:p>
-            <a:pPr algn="ctr"/>
-            <a:r>
-              <a:rPr lang="en-US" b="1" dirty="0" smtClean="0"/>
-              <a:t>CH 1</a:t>
-            </a:r>
-          </a:p>
-        </p:txBody>
-      </p:sp>
-      <p:sp>
-        <p:nvSpPr>
-          <p:cNvPr id="31" name="Rectangle 30"/>
-          <p:cNvSpPr/>
-          <p:nvPr/>
-        </p:nvSpPr>
-        <p:spPr>
-          <a:xfrm>
-            <a:off x="3045493" y="2375726"/>
-            <a:ext cx="2101516" cy="805337"/>
-          </a:xfrm>
-          <a:prstGeom prst="rect">
-            <a:avLst/>
-          </a:prstGeom>
-        </p:spPr>
-        <p:style>
-          <a:lnRef idx="2">
-            <a:schemeClr val="accent1">
-              <a:shade val="50000"/>
-            </a:schemeClr>
-          </a:lnRef>
-          <a:fillRef idx="1">
-            <a:schemeClr val="accent1"/>
-          </a:fillRef>
-          <a:effectRef idx="0">
-            <a:schemeClr val="accent1"/>
-          </a:effectRef>
-          <a:fontRef idx="minor">
-            <a:schemeClr val="lt1"/>
-          </a:fontRef>
-        </p:style>
-        <p:txBody>
-          <a:bodyPr rtlCol="0" anchor="ctr"/>
-          <a:lstStyle/>
-          <a:p>
-            <a:pPr algn="ctr"/>
-            <a:endParaRPr lang="en-US" b="1"/>
-          </a:p>
-        </p:txBody>
-      </p:sp>
-      <p:sp>
-        <p:nvSpPr>
-          <p:cNvPr id="32" name="TextBox 31"/>
-          <p:cNvSpPr txBox="1"/>
-          <p:nvPr/>
-        </p:nvSpPr>
-        <p:spPr>
-          <a:xfrm>
-            <a:off x="3178091" y="2469560"/>
-            <a:ext cx="1796716" cy="646331"/>
-          </a:xfrm>
-          <a:prstGeom prst="rect">
-            <a:avLst/>
-          </a:prstGeom>
-          <a:noFill/>
-        </p:spPr>
-        <p:txBody>
-          <a:bodyPr wrap="square" rtlCol="0">
-            <a:spAutoFit/>
-          </a:bodyPr>
-          <a:lstStyle/>
-          <a:p>
-            <a:pPr algn="ctr"/>
-            <a:r>
-              <a:rPr lang="en-US" b="1" dirty="0" smtClean="0"/>
-              <a:t>Integrate</a:t>
-            </a:r>
-          </a:p>
-          <a:p>
-            <a:pPr algn="ctr"/>
-            <a:r>
-              <a:rPr lang="en-US" b="1" dirty="0" smtClean="0"/>
-              <a:t>CH 0</a:t>
-            </a:r>
-          </a:p>
-        </p:txBody>
-      </p:sp>
-      <p:cxnSp>
-        <p:nvCxnSpPr>
-          <p:cNvPr id="39" name="Straight Arrow Connector 38"/>
-          <p:cNvCxnSpPr/>
-          <p:nvPr/>
-        </p:nvCxnSpPr>
-        <p:spPr>
-          <a:xfrm>
-            <a:off x="1828299" y="2795750"/>
-            <a:ext cx="1217194" cy="2646"/>
-          </a:xfrm>
-          <a:prstGeom prst="straightConnector1">
-            <a:avLst/>
-          </a:prstGeom>
-          <a:ln w="38100">
-            <a:tailEnd type="triangle"/>
-          </a:ln>
-        </p:spPr>
-        <p:style>
-          <a:lnRef idx="1">
-            <a:schemeClr val="accent1"/>
-          </a:lnRef>
-          <a:fillRef idx="0">
-            <a:schemeClr val="accent1"/>
-          </a:fillRef>
-          <a:effectRef idx="0">
-            <a:schemeClr val="accent1"/>
-          </a:effectRef>
-          <a:fontRef idx="minor">
-            <a:schemeClr val="tx1"/>
-          </a:fontRef>
-        </p:style>
-      </p:cxnSp>
-      <p:cxnSp>
-        <p:nvCxnSpPr>
-          <p:cNvPr id="45" name="Straight Arrow Connector 44"/>
-          <p:cNvCxnSpPr/>
-          <p:nvPr/>
-        </p:nvCxnSpPr>
-        <p:spPr>
-          <a:xfrm>
-            <a:off x="2377114" y="3646613"/>
-            <a:ext cx="668379" cy="3866"/>
-          </a:xfrm>
-          <a:prstGeom prst="straightConnector1">
-            <a:avLst/>
-          </a:prstGeom>
-          <a:ln w="38100">
-            <a:tailEnd type="triangle"/>
-          </a:ln>
-        </p:spPr>
-        <p:style>
-          <a:lnRef idx="1">
-            <a:schemeClr val="accent1"/>
-          </a:lnRef>
-          <a:fillRef idx="0">
-            <a:schemeClr val="accent1"/>
-          </a:fillRef>
-          <a:effectRef idx="0">
-            <a:schemeClr val="accent1"/>
-          </a:effectRef>
-          <a:fontRef idx="minor">
-            <a:schemeClr val="tx1"/>
-          </a:fontRef>
-        </p:style>
-      </p:cxnSp>
-      <p:sp>
-        <p:nvSpPr>
-          <p:cNvPr id="47" name="Rectangle 46"/>
-          <p:cNvSpPr/>
-          <p:nvPr/>
-        </p:nvSpPr>
-        <p:spPr>
-          <a:xfrm>
-            <a:off x="8602579" y="1509141"/>
-            <a:ext cx="2751221" cy="2625156"/>
-          </a:xfrm>
-          <a:prstGeom prst="rect">
-            <a:avLst/>
-          </a:prstGeom>
-          <a:solidFill>
-            <a:schemeClr val="accent1">
-              <a:lumMod val="40000"/>
-              <a:lumOff val="60000"/>
-            </a:schemeClr>
-          </a:solidFill>
-        </p:spPr>
-        <p:style>
-          <a:lnRef idx="2">
-            <a:schemeClr val="accent1">
-              <a:shade val="50000"/>
-            </a:schemeClr>
-          </a:lnRef>
-          <a:fillRef idx="1">
-            <a:schemeClr val="accent1"/>
-          </a:fillRef>
-          <a:effectRef idx="0">
-            <a:schemeClr val="accent1"/>
-          </a:effectRef>
-          <a:fontRef idx="minor">
-            <a:schemeClr val="lt1"/>
-          </a:fontRef>
-        </p:style>
-        <p:txBody>
-          <a:bodyPr rtlCol="0" anchor="ctr"/>
-          <a:lstStyle/>
-          <a:p>
-            <a:pPr algn="ctr"/>
-            <a:endParaRPr lang="en-US"/>
-          </a:p>
-        </p:txBody>
-      </p:sp>
-      <p:sp>
-        <p:nvSpPr>
-          <p:cNvPr id="48" name="TextBox 47"/>
-          <p:cNvSpPr txBox="1"/>
-          <p:nvPr/>
-        </p:nvSpPr>
-        <p:spPr>
-          <a:xfrm>
-            <a:off x="8602579" y="1509141"/>
-            <a:ext cx="2751221" cy="646331"/>
-          </a:xfrm>
-          <a:prstGeom prst="rect">
-            <a:avLst/>
-          </a:prstGeom>
-          <a:noFill/>
-        </p:spPr>
-        <p:txBody>
-          <a:bodyPr wrap="square" rtlCol="0">
-            <a:spAutoFit/>
-          </a:bodyPr>
-          <a:lstStyle/>
-          <a:p>
-            <a:pPr algn="ctr"/>
-            <a:r>
-              <a:rPr lang="en-US" b="1" dirty="0" smtClean="0"/>
-              <a:t>Custom Packet </a:t>
-            </a:r>
-            <a:r>
-              <a:rPr lang="en-US" b="1" dirty="0" err="1" smtClean="0"/>
-              <a:t>All_Energies</a:t>
-            </a:r>
-            <a:endParaRPr lang="en-US" b="1" dirty="0" smtClean="0"/>
-          </a:p>
-        </p:txBody>
-      </p:sp>
-      <p:sp>
-        <p:nvSpPr>
-          <p:cNvPr id="49" name="Rectangle 48"/>
-          <p:cNvSpPr/>
-          <p:nvPr/>
-        </p:nvSpPr>
-        <p:spPr>
-          <a:xfrm>
-            <a:off x="8730916" y="1878473"/>
-            <a:ext cx="2518611" cy="490524"/>
-          </a:xfrm>
-          <a:prstGeom prst="rect">
-            <a:avLst/>
-          </a:prstGeom>
-        </p:spPr>
-        <p:style>
-          <a:lnRef idx="2">
-            <a:schemeClr val="accent6">
-              <a:shade val="50000"/>
-            </a:schemeClr>
-          </a:lnRef>
-          <a:fillRef idx="1">
-            <a:schemeClr val="accent6"/>
-          </a:fillRef>
-          <a:effectRef idx="0">
-            <a:schemeClr val="accent6"/>
-          </a:effectRef>
-          <a:fontRef idx="minor">
-            <a:schemeClr val="lt1"/>
-          </a:fontRef>
-        </p:style>
-        <p:txBody>
-          <a:bodyPr rtlCol="0" anchor="ctr"/>
-          <a:lstStyle/>
-          <a:p>
-            <a:pPr algn="ctr"/>
-            <a:endParaRPr lang="en-US"/>
-          </a:p>
-        </p:txBody>
-      </p:sp>
-      <p:sp>
-        <p:nvSpPr>
-          <p:cNvPr id="50" name="TextBox 49"/>
-          <p:cNvSpPr txBox="1"/>
-          <p:nvPr/>
-        </p:nvSpPr>
-        <p:spPr>
-          <a:xfrm>
-            <a:off x="8730916" y="1933787"/>
-            <a:ext cx="2518611" cy="369332"/>
-          </a:xfrm>
-          <a:prstGeom prst="rect">
-            <a:avLst/>
-          </a:prstGeom>
-          <a:noFill/>
-        </p:spPr>
-        <p:txBody>
-          <a:bodyPr wrap="square" rtlCol="0">
-            <a:spAutoFit/>
-          </a:bodyPr>
-          <a:lstStyle/>
-          <a:p>
-            <a:pPr algn="ctr"/>
+          <p:cNvPr id="3" name="Content Placeholder 2"/>
+          <p:cNvSpPr>
+            <a:spLocks noGrp="1"/>
+          </p:cNvSpPr>
+          <p:nvPr>
+            <p:ph idx="1"/>
+          </p:nvPr>
+        </p:nvSpPr>
+        <p:spPr/>
+        <p:txBody>
+          <a:bodyPr/>
+          <a:lstStyle/>
+          <a:p>
             <a:r>
               <a:rPr lang="en-US" dirty="0" smtClean="0"/>
-              <a:t>0x80000000</a:t>
-            </a:r>
+              <a:t>Test current CAEN/DCRC communication</a:t>
+            </a:r>
+          </a:p>
+          <a:p>
+            <a:r>
+              <a:rPr lang="en-US" dirty="0" smtClean="0"/>
+              <a:t>Dev </a:t>
+            </a:r>
+            <a:r>
+              <a:rPr lang="en-US" dirty="0"/>
+              <a:t>code that will zip the two datasets together</a:t>
+            </a:r>
+          </a:p>
+          <a:p>
+            <a:pPr lvl="1"/>
+            <a:r>
+              <a:rPr lang="en-US" dirty="0"/>
+              <a:t>It exists but it requires a lot of manual input or deletes too much data</a:t>
+            </a:r>
+          </a:p>
+          <a:p>
+            <a:r>
+              <a:rPr lang="en-US" dirty="0"/>
+              <a:t>Reduce time spent running the two programs non-simultaneously</a:t>
+            </a:r>
+          </a:p>
+          <a:p>
+            <a:pPr lvl="1"/>
+            <a:r>
+              <a:rPr lang="en-US" dirty="0"/>
+              <a:t>Results in “dead events” that can’t be aligned and complicate the alignment algorithm</a:t>
+            </a:r>
+          </a:p>
+          <a:p>
+            <a:r>
+              <a:rPr lang="en-US" dirty="0"/>
+              <a:t>Adjust packet retrieval program for continuous running</a:t>
+            </a:r>
+          </a:p>
+          <a:p>
+            <a:pPr lvl="1"/>
+            <a:r>
+              <a:rPr lang="en-US" dirty="0"/>
+              <a:t>Interruption does not cause graceful exit, kills 1 or more packets</a:t>
+            </a:r>
+          </a:p>
+          <a:p>
             <a:endParaRPr lang="en-US" dirty="0"/>
-          </a:p>
-        </p:txBody>
-      </p:sp>
-      <p:sp>
-        <p:nvSpPr>
-          <p:cNvPr id="51" name="Rectangle 50"/>
-          <p:cNvSpPr/>
-          <p:nvPr/>
-        </p:nvSpPr>
-        <p:spPr>
-          <a:xfrm>
-            <a:off x="8730916" y="2441082"/>
-            <a:ext cx="2518611" cy="490524"/>
-          </a:xfrm>
-          <a:prstGeom prst="rect">
-            <a:avLst/>
-          </a:prstGeom>
-        </p:spPr>
-        <p:style>
-          <a:lnRef idx="2">
-            <a:schemeClr val="accent6">
-              <a:shade val="50000"/>
-            </a:schemeClr>
-          </a:lnRef>
-          <a:fillRef idx="1">
-            <a:schemeClr val="accent6"/>
-          </a:fillRef>
-          <a:effectRef idx="0">
-            <a:schemeClr val="accent6"/>
-          </a:effectRef>
-          <a:fontRef idx="minor">
-            <a:schemeClr val="lt1"/>
-          </a:fontRef>
-        </p:style>
-        <p:txBody>
-          <a:bodyPr rtlCol="0" anchor="ctr"/>
-          <a:lstStyle/>
-          <a:p>
-            <a:pPr algn="ctr"/>
-            <a:endParaRPr lang="en-US"/>
-          </a:p>
-        </p:txBody>
-      </p:sp>
-      <p:sp>
-        <p:nvSpPr>
-          <p:cNvPr id="52" name="TextBox 51"/>
-          <p:cNvSpPr txBox="1"/>
-          <p:nvPr/>
-        </p:nvSpPr>
-        <p:spPr>
-          <a:xfrm>
-            <a:off x="8730916" y="2496396"/>
-            <a:ext cx="2518611" cy="369332"/>
-          </a:xfrm>
-          <a:prstGeom prst="rect">
-            <a:avLst/>
-          </a:prstGeom>
-          <a:noFill/>
-        </p:spPr>
-        <p:txBody>
-          <a:bodyPr wrap="square" rtlCol="0">
-            <a:spAutoFit/>
-          </a:bodyPr>
-          <a:lstStyle/>
-          <a:p>
-            <a:pPr algn="ctr"/>
-            <a:r>
-              <a:rPr lang="en-US" dirty="0" err="1" smtClean="0"/>
-              <a:t>trigger_code</a:t>
-            </a:r>
-            <a:endParaRPr lang="en-US" dirty="0"/>
-          </a:p>
-        </p:txBody>
-      </p:sp>
-      <p:sp>
-        <p:nvSpPr>
-          <p:cNvPr id="53" name="Rectangle 52"/>
-          <p:cNvSpPr/>
-          <p:nvPr/>
-        </p:nvSpPr>
-        <p:spPr>
-          <a:xfrm>
-            <a:off x="3045493" y="1509141"/>
-            <a:ext cx="2101516" cy="805337"/>
-          </a:xfrm>
-          <a:prstGeom prst="rect">
-            <a:avLst/>
-          </a:prstGeom>
-        </p:spPr>
-        <p:style>
-          <a:lnRef idx="2">
-            <a:schemeClr val="accent1">
-              <a:shade val="50000"/>
-            </a:schemeClr>
-          </a:lnRef>
-          <a:fillRef idx="1">
-            <a:schemeClr val="accent1"/>
-          </a:fillRef>
-          <a:effectRef idx="0">
-            <a:schemeClr val="accent1"/>
-          </a:effectRef>
-          <a:fontRef idx="minor">
-            <a:schemeClr val="lt1"/>
-          </a:fontRef>
-        </p:style>
-        <p:txBody>
-          <a:bodyPr rtlCol="0" anchor="ctr"/>
-          <a:lstStyle/>
-          <a:p>
-            <a:pPr algn="ctr"/>
-            <a:endParaRPr lang="en-US" b="1"/>
-          </a:p>
-        </p:txBody>
-      </p:sp>
-      <p:sp>
-        <p:nvSpPr>
-          <p:cNvPr id="54" name="TextBox 53"/>
-          <p:cNvSpPr txBox="1"/>
-          <p:nvPr/>
-        </p:nvSpPr>
-        <p:spPr>
-          <a:xfrm>
-            <a:off x="3178091" y="1602975"/>
-            <a:ext cx="1796716" cy="646331"/>
-          </a:xfrm>
-          <a:prstGeom prst="rect">
-            <a:avLst/>
-          </a:prstGeom>
-          <a:noFill/>
-        </p:spPr>
-        <p:txBody>
-          <a:bodyPr wrap="square" rtlCol="0">
-            <a:spAutoFit/>
-          </a:bodyPr>
-          <a:lstStyle/>
-          <a:p>
-            <a:pPr algn="ctr"/>
-            <a:r>
-              <a:rPr lang="en-US" b="1" dirty="0" smtClean="0"/>
-              <a:t>Generate</a:t>
-            </a:r>
-          </a:p>
-          <a:p>
-            <a:pPr algn="ctr"/>
-            <a:r>
-              <a:rPr lang="en-US" b="1" dirty="0" smtClean="0"/>
-              <a:t>Trigger Code</a:t>
-            </a:r>
-          </a:p>
-        </p:txBody>
-      </p:sp>
-      <p:sp>
-        <p:nvSpPr>
-          <p:cNvPr id="62" name="Rectangle 61"/>
-          <p:cNvSpPr/>
-          <p:nvPr/>
-        </p:nvSpPr>
-        <p:spPr>
-          <a:xfrm>
-            <a:off x="8730917" y="2991961"/>
-            <a:ext cx="1211178" cy="490524"/>
-          </a:xfrm>
-          <a:prstGeom prst="rect">
-            <a:avLst/>
-          </a:prstGeom>
-        </p:spPr>
-        <p:style>
-          <a:lnRef idx="2">
-            <a:schemeClr val="accent6">
-              <a:shade val="50000"/>
-            </a:schemeClr>
-          </a:lnRef>
-          <a:fillRef idx="1">
-            <a:schemeClr val="accent6"/>
-          </a:fillRef>
-          <a:effectRef idx="0">
-            <a:schemeClr val="accent6"/>
-          </a:effectRef>
-          <a:fontRef idx="minor">
-            <a:schemeClr val="lt1"/>
-          </a:fontRef>
-        </p:style>
-        <p:txBody>
-          <a:bodyPr rtlCol="0" anchor="ctr"/>
-          <a:lstStyle/>
-          <a:p>
-            <a:pPr algn="ctr"/>
-            <a:endParaRPr lang="en-US"/>
-          </a:p>
-        </p:txBody>
-      </p:sp>
-      <p:sp>
-        <p:nvSpPr>
-          <p:cNvPr id="63" name="TextBox 62"/>
-          <p:cNvSpPr txBox="1"/>
-          <p:nvPr/>
-        </p:nvSpPr>
-        <p:spPr>
-          <a:xfrm>
-            <a:off x="8730917" y="3047275"/>
-            <a:ext cx="1211178" cy="369332"/>
-          </a:xfrm>
-          <a:prstGeom prst="rect">
-            <a:avLst/>
-          </a:prstGeom>
-          <a:noFill/>
-        </p:spPr>
-        <p:txBody>
-          <a:bodyPr wrap="square" rtlCol="0">
-            <a:spAutoFit/>
-          </a:bodyPr>
-          <a:lstStyle/>
-          <a:p>
-            <a:pPr algn="ctr"/>
-            <a:r>
-              <a:rPr lang="en-US" dirty="0" smtClean="0"/>
-              <a:t>timestamp</a:t>
-            </a:r>
-            <a:endParaRPr lang="en-US" dirty="0"/>
-          </a:p>
-        </p:txBody>
-      </p:sp>
-      <p:sp>
-        <p:nvSpPr>
-          <p:cNvPr id="72" name="Rectangle 71"/>
-          <p:cNvSpPr/>
-          <p:nvPr/>
-        </p:nvSpPr>
-        <p:spPr>
-          <a:xfrm>
-            <a:off x="8730917" y="2991961"/>
-            <a:ext cx="1211178" cy="490524"/>
-          </a:xfrm>
-          <a:prstGeom prst="rect">
-            <a:avLst/>
-          </a:prstGeom>
-        </p:spPr>
-        <p:style>
-          <a:lnRef idx="2">
-            <a:schemeClr val="accent6">
-              <a:shade val="50000"/>
-            </a:schemeClr>
-          </a:lnRef>
-          <a:fillRef idx="1">
-            <a:schemeClr val="accent6"/>
-          </a:fillRef>
-          <a:effectRef idx="0">
-            <a:schemeClr val="accent6"/>
-          </a:effectRef>
-          <a:fontRef idx="minor">
-            <a:schemeClr val="lt1"/>
-          </a:fontRef>
-        </p:style>
-        <p:txBody>
-          <a:bodyPr rtlCol="0" anchor="ctr"/>
-          <a:lstStyle/>
-          <a:p>
-            <a:pPr algn="ctr"/>
-            <a:endParaRPr lang="en-US"/>
-          </a:p>
-        </p:txBody>
-      </p:sp>
-      <p:sp>
-        <p:nvSpPr>
-          <p:cNvPr id="73" name="TextBox 72"/>
-          <p:cNvSpPr txBox="1"/>
-          <p:nvPr/>
-        </p:nvSpPr>
-        <p:spPr>
-          <a:xfrm>
-            <a:off x="8730917" y="3047275"/>
-            <a:ext cx="1211178" cy="369332"/>
-          </a:xfrm>
-          <a:prstGeom prst="rect">
-            <a:avLst/>
-          </a:prstGeom>
-          <a:noFill/>
-        </p:spPr>
-        <p:txBody>
-          <a:bodyPr wrap="square" rtlCol="0">
-            <a:spAutoFit/>
-          </a:bodyPr>
-          <a:lstStyle/>
-          <a:p>
-            <a:pPr algn="ctr"/>
-            <a:r>
-              <a:rPr lang="en-US" dirty="0" smtClean="0"/>
-              <a:t>timestamp</a:t>
-            </a:r>
-            <a:endParaRPr lang="en-US" dirty="0"/>
-          </a:p>
-        </p:txBody>
-      </p:sp>
-      <p:sp>
-        <p:nvSpPr>
-          <p:cNvPr id="78" name="Rectangle 77"/>
-          <p:cNvSpPr/>
-          <p:nvPr/>
-        </p:nvSpPr>
-        <p:spPr>
-          <a:xfrm>
-            <a:off x="10035860" y="2991902"/>
-            <a:ext cx="1211178" cy="490524"/>
-          </a:xfrm>
-          <a:prstGeom prst="rect">
-            <a:avLst/>
-          </a:prstGeom>
-        </p:spPr>
-        <p:style>
-          <a:lnRef idx="2">
-            <a:schemeClr val="accent6">
-              <a:shade val="50000"/>
-            </a:schemeClr>
-          </a:lnRef>
-          <a:fillRef idx="1">
-            <a:schemeClr val="accent6"/>
-          </a:fillRef>
-          <a:effectRef idx="0">
-            <a:schemeClr val="accent6"/>
-          </a:effectRef>
-          <a:fontRef idx="minor">
-            <a:schemeClr val="lt1"/>
-          </a:fontRef>
-        </p:style>
-        <p:txBody>
-          <a:bodyPr rtlCol="0" anchor="ctr"/>
-          <a:lstStyle/>
-          <a:p>
-            <a:pPr algn="ctr"/>
-            <a:endParaRPr lang="en-US"/>
-          </a:p>
-        </p:txBody>
-      </p:sp>
-      <p:sp>
-        <p:nvSpPr>
-          <p:cNvPr id="79" name="TextBox 78"/>
-          <p:cNvSpPr txBox="1"/>
-          <p:nvPr/>
-        </p:nvSpPr>
-        <p:spPr>
-          <a:xfrm>
-            <a:off x="10035860" y="3047216"/>
-            <a:ext cx="1211178" cy="369332"/>
-          </a:xfrm>
-          <a:prstGeom prst="rect">
-            <a:avLst/>
-          </a:prstGeom>
-          <a:noFill/>
-        </p:spPr>
-        <p:txBody>
-          <a:bodyPr wrap="square" rtlCol="0">
-            <a:spAutoFit/>
-          </a:bodyPr>
-          <a:lstStyle/>
-          <a:p>
-            <a:pPr algn="ctr"/>
-            <a:r>
-              <a:rPr lang="en-US" dirty="0" smtClean="0"/>
-              <a:t>0xc001</a:t>
-            </a:r>
-            <a:endParaRPr lang="en-US" dirty="0"/>
-          </a:p>
-        </p:txBody>
-      </p:sp>
-      <p:sp>
-        <p:nvSpPr>
-          <p:cNvPr id="80" name="Rectangle 79"/>
-          <p:cNvSpPr/>
-          <p:nvPr/>
-        </p:nvSpPr>
-        <p:spPr>
-          <a:xfrm>
-            <a:off x="8730917" y="3544300"/>
-            <a:ext cx="1211178" cy="490524"/>
-          </a:xfrm>
-          <a:prstGeom prst="rect">
-            <a:avLst/>
-          </a:prstGeom>
-        </p:spPr>
-        <p:style>
-          <a:lnRef idx="2">
-            <a:schemeClr val="accent6">
-              <a:shade val="50000"/>
-            </a:schemeClr>
-          </a:lnRef>
-          <a:fillRef idx="1">
-            <a:schemeClr val="accent6"/>
-          </a:fillRef>
-          <a:effectRef idx="0">
-            <a:schemeClr val="accent6"/>
-          </a:effectRef>
-          <a:fontRef idx="minor">
-            <a:schemeClr val="lt1"/>
-          </a:fontRef>
-        </p:style>
-        <p:txBody>
-          <a:bodyPr rtlCol="0" anchor="ctr"/>
-          <a:lstStyle/>
-          <a:p>
-            <a:pPr algn="ctr"/>
-            <a:endParaRPr lang="en-US"/>
-          </a:p>
-        </p:txBody>
-      </p:sp>
-      <p:sp>
-        <p:nvSpPr>
-          <p:cNvPr id="81" name="TextBox 80"/>
-          <p:cNvSpPr txBox="1"/>
-          <p:nvPr/>
-        </p:nvSpPr>
-        <p:spPr>
-          <a:xfrm>
-            <a:off x="8730917" y="3599614"/>
-            <a:ext cx="1211178" cy="369332"/>
-          </a:xfrm>
-          <a:prstGeom prst="rect">
-            <a:avLst/>
-          </a:prstGeom>
-          <a:noFill/>
-        </p:spPr>
-        <p:txBody>
-          <a:bodyPr wrap="square" rtlCol="0">
-            <a:spAutoFit/>
-          </a:bodyPr>
-          <a:lstStyle/>
-          <a:p>
-            <a:pPr algn="ctr"/>
-            <a:r>
-              <a:rPr lang="en-US" dirty="0" smtClean="0"/>
-              <a:t>timestamp</a:t>
-            </a:r>
-            <a:endParaRPr lang="en-US" dirty="0"/>
-          </a:p>
-        </p:txBody>
-      </p:sp>
-      <p:sp>
-        <p:nvSpPr>
-          <p:cNvPr id="82" name="Rectangle 81"/>
-          <p:cNvSpPr/>
-          <p:nvPr/>
-        </p:nvSpPr>
-        <p:spPr>
-          <a:xfrm>
-            <a:off x="8730917" y="3544300"/>
-            <a:ext cx="1211178" cy="490524"/>
-          </a:xfrm>
-          <a:prstGeom prst="rect">
-            <a:avLst/>
-          </a:prstGeom>
-        </p:spPr>
-        <p:style>
-          <a:lnRef idx="2">
-            <a:schemeClr val="accent6">
-              <a:shade val="50000"/>
-            </a:schemeClr>
-          </a:lnRef>
-          <a:fillRef idx="1">
-            <a:schemeClr val="accent6"/>
-          </a:fillRef>
-          <a:effectRef idx="0">
-            <a:schemeClr val="accent6"/>
-          </a:effectRef>
-          <a:fontRef idx="minor">
-            <a:schemeClr val="lt1"/>
-          </a:fontRef>
-        </p:style>
-        <p:txBody>
-          <a:bodyPr rtlCol="0" anchor="ctr"/>
-          <a:lstStyle/>
-          <a:p>
-            <a:pPr algn="ctr"/>
-            <a:endParaRPr lang="en-US"/>
-          </a:p>
-        </p:txBody>
-      </p:sp>
-      <p:sp>
-        <p:nvSpPr>
-          <p:cNvPr id="83" name="TextBox 82"/>
-          <p:cNvSpPr txBox="1"/>
-          <p:nvPr/>
-        </p:nvSpPr>
-        <p:spPr>
-          <a:xfrm>
-            <a:off x="8730917" y="3599614"/>
-            <a:ext cx="1211178" cy="369332"/>
-          </a:xfrm>
-          <a:prstGeom prst="rect">
-            <a:avLst/>
-          </a:prstGeom>
-          <a:noFill/>
-        </p:spPr>
-        <p:txBody>
-          <a:bodyPr wrap="square" rtlCol="0">
-            <a:spAutoFit/>
-          </a:bodyPr>
-          <a:lstStyle/>
-          <a:p>
-            <a:pPr algn="ctr"/>
-            <a:r>
-              <a:rPr lang="en-US" dirty="0" smtClean="0"/>
-              <a:t>energy_00</a:t>
-            </a:r>
-            <a:endParaRPr lang="en-US" dirty="0"/>
-          </a:p>
-        </p:txBody>
-      </p:sp>
-      <p:sp>
-        <p:nvSpPr>
-          <p:cNvPr id="84" name="Rectangle 83"/>
-          <p:cNvSpPr/>
-          <p:nvPr/>
-        </p:nvSpPr>
-        <p:spPr>
-          <a:xfrm>
-            <a:off x="10035860" y="3544241"/>
-            <a:ext cx="1211178" cy="490524"/>
-          </a:xfrm>
-          <a:prstGeom prst="rect">
-            <a:avLst/>
-          </a:prstGeom>
-        </p:spPr>
-        <p:style>
-          <a:lnRef idx="2">
-            <a:schemeClr val="accent6">
-              <a:shade val="50000"/>
-            </a:schemeClr>
-          </a:lnRef>
-          <a:fillRef idx="1">
-            <a:schemeClr val="accent6"/>
-          </a:fillRef>
-          <a:effectRef idx="0">
-            <a:schemeClr val="accent6"/>
-          </a:effectRef>
-          <a:fontRef idx="minor">
-            <a:schemeClr val="lt1"/>
-          </a:fontRef>
-        </p:style>
-        <p:txBody>
-          <a:bodyPr rtlCol="0" anchor="ctr"/>
-          <a:lstStyle/>
-          <a:p>
-            <a:pPr algn="ctr"/>
-            <a:endParaRPr lang="en-US"/>
-          </a:p>
-        </p:txBody>
-      </p:sp>
-      <p:sp>
-        <p:nvSpPr>
-          <p:cNvPr id="85" name="TextBox 84"/>
-          <p:cNvSpPr txBox="1"/>
-          <p:nvPr/>
-        </p:nvSpPr>
-        <p:spPr>
-          <a:xfrm>
-            <a:off x="10035860" y="3599555"/>
-            <a:ext cx="1211178" cy="369332"/>
-          </a:xfrm>
-          <a:prstGeom prst="rect">
-            <a:avLst/>
-          </a:prstGeom>
-          <a:noFill/>
-        </p:spPr>
-        <p:txBody>
-          <a:bodyPr wrap="square" rtlCol="0">
-            <a:spAutoFit/>
-          </a:bodyPr>
-          <a:lstStyle/>
-          <a:p>
-            <a:pPr algn="ctr"/>
-            <a:r>
-              <a:rPr lang="en-US" dirty="0" smtClean="0"/>
-              <a:t>energy_01</a:t>
-            </a:r>
-            <a:endParaRPr lang="en-US" dirty="0"/>
-          </a:p>
-        </p:txBody>
-      </p:sp>
-      <p:cxnSp>
-        <p:nvCxnSpPr>
-          <p:cNvPr id="86" name="Straight Arrow Connector 85"/>
-          <p:cNvCxnSpPr/>
-          <p:nvPr/>
-        </p:nvCxnSpPr>
-        <p:spPr>
-          <a:xfrm>
-            <a:off x="5140492" y="1897114"/>
-            <a:ext cx="738940" cy="0"/>
-          </a:xfrm>
-          <a:prstGeom prst="straightConnector1">
-            <a:avLst/>
-          </a:prstGeom>
-          <a:ln w="38100">
-            <a:tailEnd type="triangle"/>
-          </a:ln>
-        </p:spPr>
-        <p:style>
-          <a:lnRef idx="1">
-            <a:schemeClr val="accent1"/>
-          </a:lnRef>
-          <a:fillRef idx="0">
-            <a:schemeClr val="accent1"/>
-          </a:fillRef>
-          <a:effectRef idx="0">
-            <a:schemeClr val="accent1"/>
-          </a:effectRef>
-          <a:fontRef idx="minor">
-            <a:schemeClr val="tx1"/>
-          </a:fontRef>
-        </p:style>
-      </p:cxnSp>
-      <p:sp>
-        <p:nvSpPr>
-          <p:cNvPr id="87" name="Rectangle 86"/>
-          <p:cNvSpPr/>
-          <p:nvPr/>
-        </p:nvSpPr>
-        <p:spPr>
-          <a:xfrm>
-            <a:off x="5879432" y="1509141"/>
-            <a:ext cx="2101516" cy="805337"/>
-          </a:xfrm>
-          <a:prstGeom prst="rect">
-            <a:avLst/>
-          </a:prstGeom>
-        </p:spPr>
-        <p:style>
-          <a:lnRef idx="2">
-            <a:schemeClr val="accent1">
-              <a:shade val="50000"/>
-            </a:schemeClr>
-          </a:lnRef>
-          <a:fillRef idx="1">
-            <a:schemeClr val="accent1"/>
-          </a:fillRef>
-          <a:effectRef idx="0">
-            <a:schemeClr val="accent1"/>
-          </a:effectRef>
-          <a:fontRef idx="minor">
-            <a:schemeClr val="lt1"/>
-          </a:fontRef>
-        </p:style>
-        <p:txBody>
-          <a:bodyPr rtlCol="0" anchor="ctr"/>
-          <a:lstStyle/>
-          <a:p>
-            <a:pPr algn="ctr"/>
-            <a:endParaRPr lang="en-US" b="1"/>
-          </a:p>
-        </p:txBody>
-      </p:sp>
-      <p:sp>
-        <p:nvSpPr>
-          <p:cNvPr id="88" name="TextBox 87"/>
-          <p:cNvSpPr txBox="1"/>
-          <p:nvPr/>
-        </p:nvSpPr>
-        <p:spPr>
-          <a:xfrm>
-            <a:off x="6012030" y="1602975"/>
-            <a:ext cx="1796716" cy="646331"/>
-          </a:xfrm>
-          <a:prstGeom prst="rect">
-            <a:avLst/>
-          </a:prstGeom>
-          <a:noFill/>
-        </p:spPr>
-        <p:txBody>
-          <a:bodyPr wrap="square" rtlCol="0">
-            <a:spAutoFit/>
-          </a:bodyPr>
-          <a:lstStyle/>
-          <a:p>
-            <a:pPr algn="ctr"/>
-            <a:r>
-              <a:rPr lang="en-US" b="1" dirty="0" smtClean="0"/>
-              <a:t>Hold code</a:t>
-            </a:r>
-          </a:p>
-          <a:p>
-            <a:pPr algn="ctr"/>
-            <a:r>
-              <a:rPr lang="en-US" b="1" dirty="0" smtClean="0"/>
-              <a:t>via gate</a:t>
-            </a:r>
-          </a:p>
-        </p:txBody>
-      </p:sp>
-      <p:cxnSp>
-        <p:nvCxnSpPr>
-          <p:cNvPr id="90" name="Straight Arrow Connector 89"/>
-          <p:cNvCxnSpPr/>
-          <p:nvPr/>
-        </p:nvCxnSpPr>
-        <p:spPr>
-          <a:xfrm>
-            <a:off x="5140492" y="4855255"/>
-            <a:ext cx="738940" cy="0"/>
-          </a:xfrm>
-          <a:prstGeom prst="straightConnector1">
-            <a:avLst/>
-          </a:prstGeom>
-          <a:ln w="38100">
-            <a:solidFill>
-              <a:schemeClr val="tx1"/>
-            </a:solidFill>
-            <a:tailEnd type="triangle"/>
-          </a:ln>
-        </p:spPr>
-        <p:style>
-          <a:lnRef idx="1">
-            <a:schemeClr val="accent1"/>
-          </a:lnRef>
-          <a:fillRef idx="0">
-            <a:schemeClr val="accent1"/>
-          </a:fillRef>
-          <a:effectRef idx="0">
-            <a:schemeClr val="accent1"/>
-          </a:effectRef>
-          <a:fontRef idx="minor">
-            <a:schemeClr val="tx1"/>
-          </a:fontRef>
-        </p:style>
-      </p:cxnSp>
-      <p:sp>
-        <p:nvSpPr>
-          <p:cNvPr id="91" name="Rectangle 90"/>
-          <p:cNvSpPr/>
-          <p:nvPr/>
-        </p:nvSpPr>
-        <p:spPr>
-          <a:xfrm>
-            <a:off x="5879432" y="4467072"/>
-            <a:ext cx="2101516" cy="805337"/>
-          </a:xfrm>
-          <a:prstGeom prst="rect">
-            <a:avLst/>
-          </a:prstGeom>
-        </p:spPr>
-        <p:style>
-          <a:lnRef idx="2">
-            <a:schemeClr val="accent1">
-              <a:shade val="50000"/>
-            </a:schemeClr>
-          </a:lnRef>
-          <a:fillRef idx="1">
-            <a:schemeClr val="accent1"/>
-          </a:fillRef>
-          <a:effectRef idx="0">
-            <a:schemeClr val="accent1"/>
-          </a:effectRef>
-          <a:fontRef idx="minor">
-            <a:schemeClr val="lt1"/>
-          </a:fontRef>
-        </p:style>
-        <p:txBody>
-          <a:bodyPr rtlCol="0" anchor="ctr"/>
-          <a:lstStyle/>
-          <a:p>
-            <a:pPr algn="ctr"/>
-            <a:endParaRPr lang="en-US" b="1"/>
-          </a:p>
-        </p:txBody>
-      </p:sp>
-      <p:sp>
-        <p:nvSpPr>
-          <p:cNvPr id="92" name="TextBox 91"/>
-          <p:cNvSpPr txBox="1"/>
-          <p:nvPr/>
-        </p:nvSpPr>
-        <p:spPr>
-          <a:xfrm>
-            <a:off x="6012030" y="4560906"/>
-            <a:ext cx="1796716" cy="646331"/>
-          </a:xfrm>
-          <a:prstGeom prst="rect">
-            <a:avLst/>
-          </a:prstGeom>
-          <a:noFill/>
-        </p:spPr>
-        <p:txBody>
-          <a:bodyPr wrap="square" rtlCol="0">
-            <a:spAutoFit/>
-          </a:bodyPr>
-          <a:lstStyle/>
-          <a:p>
-            <a:pPr algn="ctr"/>
-            <a:r>
-              <a:rPr lang="en-US" b="1" dirty="0" smtClean="0"/>
-              <a:t>Hold timestamp</a:t>
-            </a:r>
-          </a:p>
-          <a:p>
-            <a:pPr algn="ctr"/>
-            <a:r>
-              <a:rPr lang="en-US" b="1" dirty="0" smtClean="0"/>
-              <a:t>in FIFO</a:t>
-            </a:r>
-          </a:p>
-        </p:txBody>
-      </p:sp>
-      <p:cxnSp>
-        <p:nvCxnSpPr>
-          <p:cNvPr id="105" name="Elbow Connector 104"/>
-          <p:cNvCxnSpPr>
-            <a:stCxn id="87" idx="3"/>
-            <a:endCxn id="52" idx="1"/>
-          </p:cNvCxnSpPr>
-          <p:nvPr/>
-        </p:nvCxnSpPr>
-        <p:spPr>
-          <a:xfrm>
-            <a:off x="7980948" y="1911810"/>
-            <a:ext cx="749968" cy="769252"/>
-          </a:xfrm>
-          <a:prstGeom prst="bentConnector3">
-            <a:avLst/>
-          </a:prstGeom>
-          <a:ln w="38100">
-            <a:solidFill>
-              <a:schemeClr val="tx1"/>
-            </a:solidFill>
-            <a:tailEnd type="triangle"/>
-          </a:ln>
-        </p:spPr>
-        <p:style>
-          <a:lnRef idx="1">
-            <a:schemeClr val="accent1"/>
-          </a:lnRef>
-          <a:fillRef idx="0">
-            <a:schemeClr val="accent1"/>
-          </a:fillRef>
-          <a:effectRef idx="0">
-            <a:schemeClr val="accent1"/>
-          </a:effectRef>
-          <a:fontRef idx="minor">
-            <a:schemeClr val="tx1"/>
-          </a:fontRef>
-        </p:style>
-      </p:cxnSp>
-      <p:cxnSp>
-        <p:nvCxnSpPr>
-          <p:cNvPr id="107" name="Elbow Connector 106"/>
-          <p:cNvCxnSpPr>
-            <a:endCxn id="82" idx="1"/>
-          </p:cNvCxnSpPr>
-          <p:nvPr/>
-        </p:nvCxnSpPr>
-        <p:spPr>
-          <a:xfrm>
-            <a:off x="5153526" y="2496396"/>
-            <a:ext cx="3577391" cy="1293166"/>
-          </a:xfrm>
-          <a:prstGeom prst="bentConnector3">
-            <a:avLst>
-              <a:gd name="adj1" fmla="val 54260"/>
-            </a:avLst>
-          </a:prstGeom>
-          <a:ln w="38100">
-            <a:solidFill>
-              <a:schemeClr val="tx1"/>
-            </a:solidFill>
-            <a:tailEnd type="triangle"/>
-          </a:ln>
-        </p:spPr>
-        <p:style>
-          <a:lnRef idx="1">
-            <a:schemeClr val="accent1"/>
-          </a:lnRef>
-          <a:fillRef idx="0">
-            <a:schemeClr val="accent1"/>
-          </a:fillRef>
-          <a:effectRef idx="0">
-            <a:schemeClr val="accent1"/>
-          </a:effectRef>
-          <a:fontRef idx="minor">
-            <a:schemeClr val="tx1"/>
-          </a:fontRef>
-        </p:style>
-      </p:cxnSp>
-      <p:cxnSp>
-        <p:nvCxnSpPr>
-          <p:cNvPr id="111" name="Elbow Connector 110"/>
-          <p:cNvCxnSpPr/>
-          <p:nvPr/>
-        </p:nvCxnSpPr>
-        <p:spPr>
-          <a:xfrm>
-            <a:off x="5153526" y="3380050"/>
-            <a:ext cx="2115071" cy="975369"/>
-          </a:xfrm>
-          <a:prstGeom prst="bentConnector3">
-            <a:avLst/>
-          </a:prstGeom>
-          <a:ln w="38100">
-            <a:solidFill>
-              <a:schemeClr val="tx1"/>
-            </a:solidFill>
-          </a:ln>
-        </p:spPr>
-        <p:style>
-          <a:lnRef idx="1">
-            <a:schemeClr val="accent1"/>
-          </a:lnRef>
-          <a:fillRef idx="0">
-            <a:schemeClr val="accent1"/>
-          </a:fillRef>
-          <a:effectRef idx="0">
-            <a:schemeClr val="accent1"/>
-          </a:effectRef>
-          <a:fontRef idx="minor">
-            <a:schemeClr val="tx1"/>
-          </a:fontRef>
-        </p:style>
-      </p:cxnSp>
-      <p:cxnSp>
-        <p:nvCxnSpPr>
-          <p:cNvPr id="113" name="Elbow Connector 112"/>
-          <p:cNvCxnSpPr>
-            <a:endCxn id="84" idx="2"/>
-          </p:cNvCxnSpPr>
-          <p:nvPr/>
-        </p:nvCxnSpPr>
-        <p:spPr>
-          <a:xfrm flipV="1">
-            <a:off x="7268597" y="4034765"/>
-            <a:ext cx="3372852" cy="320654"/>
-          </a:xfrm>
-          <a:prstGeom prst="bentConnector2">
-            <a:avLst/>
-          </a:prstGeom>
-          <a:ln w="38100">
-            <a:solidFill>
-              <a:schemeClr val="tx1"/>
-            </a:solidFill>
-            <a:tailEnd type="triangle"/>
-          </a:ln>
-        </p:spPr>
-        <p:style>
-          <a:lnRef idx="1">
-            <a:schemeClr val="accent1"/>
-          </a:lnRef>
-          <a:fillRef idx="0">
-            <a:schemeClr val="accent1"/>
-          </a:fillRef>
-          <a:effectRef idx="0">
-            <a:schemeClr val="accent1"/>
-          </a:effectRef>
-          <a:fontRef idx="minor">
-            <a:schemeClr val="tx1"/>
-          </a:fontRef>
-        </p:style>
-      </p:cxnSp>
-      <p:cxnSp>
-        <p:nvCxnSpPr>
-          <p:cNvPr id="115" name="Elbow Connector 114"/>
-          <p:cNvCxnSpPr>
-            <a:stCxn id="91" idx="3"/>
-            <a:endCxn id="73" idx="1"/>
-          </p:cNvCxnSpPr>
-          <p:nvPr/>
-        </p:nvCxnSpPr>
-        <p:spPr>
-          <a:xfrm flipV="1">
-            <a:off x="7980948" y="3231941"/>
-            <a:ext cx="749969" cy="1637800"/>
-          </a:xfrm>
-          <a:prstGeom prst="bentConnector3">
-            <a:avLst/>
-          </a:prstGeom>
-          <a:ln w="38100">
-            <a:solidFill>
-              <a:schemeClr val="tx1"/>
-            </a:solidFill>
-            <a:tailEnd type="triangle"/>
-          </a:ln>
-        </p:spPr>
-        <p:style>
-          <a:lnRef idx="1">
-            <a:schemeClr val="accent1"/>
-          </a:lnRef>
-          <a:fillRef idx="0">
-            <a:schemeClr val="accent1"/>
-          </a:fillRef>
-          <a:effectRef idx="0">
-            <a:schemeClr val="accent1"/>
-          </a:effectRef>
-          <a:fontRef idx="minor">
-            <a:schemeClr val="tx1"/>
-          </a:fontRef>
-        </p:style>
-      </p:cxnSp>
-      <p:sp>
-        <p:nvSpPr>
-          <p:cNvPr id="122" name="Rectangle 121"/>
-          <p:cNvSpPr/>
-          <p:nvPr/>
-        </p:nvSpPr>
-        <p:spPr>
-          <a:xfrm>
-            <a:off x="5872915" y="2616917"/>
-            <a:ext cx="799051" cy="604756"/>
-          </a:xfrm>
-          <a:prstGeom prst="rect">
-            <a:avLst/>
-          </a:prstGeom>
-          <a:solidFill>
-            <a:schemeClr val="accent6">
-              <a:lumMod val="20000"/>
-              <a:lumOff val="80000"/>
-            </a:schemeClr>
-          </a:solidFill>
-        </p:spPr>
-        <p:style>
-          <a:lnRef idx="2">
-            <a:schemeClr val="accent1">
-              <a:shade val="50000"/>
-            </a:schemeClr>
-          </a:lnRef>
-          <a:fillRef idx="1">
-            <a:schemeClr val="accent1"/>
-          </a:fillRef>
-          <a:effectRef idx="0">
-            <a:schemeClr val="accent1"/>
-          </a:effectRef>
-          <a:fontRef idx="minor">
-            <a:schemeClr val="lt1"/>
-          </a:fontRef>
-        </p:style>
-        <p:txBody>
-          <a:bodyPr rtlCol="0" anchor="ctr"/>
-          <a:lstStyle/>
-          <a:p>
-            <a:pPr algn="ctr"/>
-            <a:endParaRPr lang="en-US" b="1"/>
-          </a:p>
-        </p:txBody>
-      </p:sp>
-      <p:sp>
-        <p:nvSpPr>
-          <p:cNvPr id="123" name="TextBox 122"/>
-          <p:cNvSpPr txBox="1"/>
-          <p:nvPr/>
-        </p:nvSpPr>
-        <p:spPr>
-          <a:xfrm>
-            <a:off x="5887962" y="2735093"/>
-            <a:ext cx="796573" cy="369332"/>
-          </a:xfrm>
-          <a:prstGeom prst="rect">
-            <a:avLst/>
-          </a:prstGeom>
-          <a:noFill/>
-        </p:spPr>
-        <p:txBody>
-          <a:bodyPr wrap="square" rtlCol="0">
-            <a:spAutoFit/>
-          </a:bodyPr>
-          <a:lstStyle/>
-          <a:p>
-            <a:pPr algn="ctr"/>
-            <a:r>
-              <a:rPr lang="en-US" b="1" dirty="0" smtClean="0"/>
-              <a:t>AND</a:t>
-            </a:r>
-            <a:endParaRPr lang="en-US" b="1" dirty="0"/>
-          </a:p>
-        </p:txBody>
-      </p:sp>
-      <p:cxnSp>
-        <p:nvCxnSpPr>
-          <p:cNvPr id="125" name="Straight Arrow Connector 124"/>
-          <p:cNvCxnSpPr/>
-          <p:nvPr/>
-        </p:nvCxnSpPr>
-        <p:spPr>
-          <a:xfrm>
-            <a:off x="5096371" y="2798457"/>
-            <a:ext cx="802615" cy="96"/>
-          </a:xfrm>
-          <a:prstGeom prst="straightConnector1">
-            <a:avLst/>
-          </a:prstGeom>
-          <a:ln w="38100">
-            <a:tailEnd type="triangle"/>
-          </a:ln>
-        </p:spPr>
-        <p:style>
-          <a:lnRef idx="1">
-            <a:schemeClr val="accent1"/>
-          </a:lnRef>
-          <a:fillRef idx="0">
-            <a:schemeClr val="accent1"/>
-          </a:fillRef>
-          <a:effectRef idx="0">
-            <a:schemeClr val="accent1"/>
-          </a:effectRef>
-          <a:fontRef idx="minor">
-            <a:schemeClr val="tx1"/>
-          </a:fontRef>
-        </p:style>
-      </p:cxnSp>
-      <p:cxnSp>
-        <p:nvCxnSpPr>
-          <p:cNvPr id="131" name="Elbow Connector 130"/>
-          <p:cNvCxnSpPr>
-            <a:stCxn id="29" idx="3"/>
-          </p:cNvCxnSpPr>
-          <p:nvPr/>
-        </p:nvCxnSpPr>
-        <p:spPr>
-          <a:xfrm flipV="1">
-            <a:off x="5153526" y="3047216"/>
-            <a:ext cx="725906" cy="601689"/>
-          </a:xfrm>
-          <a:prstGeom prst="bentConnector3">
-            <a:avLst/>
-          </a:prstGeom>
-          <a:ln w="38100">
-            <a:tailEnd type="triangle"/>
-          </a:ln>
-        </p:spPr>
-        <p:style>
-          <a:lnRef idx="1">
-            <a:schemeClr val="accent1"/>
-          </a:lnRef>
-          <a:fillRef idx="0">
-            <a:schemeClr val="accent1"/>
-          </a:fillRef>
-          <a:effectRef idx="0">
-            <a:schemeClr val="accent1"/>
-          </a:effectRef>
-          <a:fontRef idx="minor">
-            <a:schemeClr val="tx1"/>
-          </a:fontRef>
-        </p:style>
-      </p:cxnSp>
-      <p:sp>
-        <p:nvSpPr>
-          <p:cNvPr id="132" name="TextBox 131"/>
-          <p:cNvSpPr txBox="1"/>
-          <p:nvPr/>
-        </p:nvSpPr>
-        <p:spPr>
-          <a:xfrm>
-            <a:off x="5172575" y="2186650"/>
-            <a:ext cx="766012" cy="369332"/>
-          </a:xfrm>
-          <a:prstGeom prst="rect">
-            <a:avLst/>
-          </a:prstGeom>
-          <a:noFill/>
-        </p:spPr>
-        <p:txBody>
-          <a:bodyPr wrap="square" rtlCol="0">
-            <a:spAutoFit/>
-          </a:bodyPr>
-          <a:lstStyle/>
-          <a:p>
-            <a:r>
-              <a:rPr lang="en-US" b="1" dirty="0" smtClean="0"/>
-              <a:t>data</a:t>
-            </a:r>
-            <a:endParaRPr lang="en-US" b="1" dirty="0"/>
-          </a:p>
-        </p:txBody>
-      </p:sp>
-      <p:sp>
-        <p:nvSpPr>
-          <p:cNvPr id="133" name="TextBox 132"/>
-          <p:cNvSpPr txBox="1"/>
-          <p:nvPr/>
-        </p:nvSpPr>
-        <p:spPr>
-          <a:xfrm>
-            <a:off x="5167817" y="2502435"/>
-            <a:ext cx="766012" cy="369332"/>
-          </a:xfrm>
-          <a:prstGeom prst="rect">
-            <a:avLst/>
-          </a:prstGeom>
-          <a:noFill/>
-        </p:spPr>
-        <p:txBody>
-          <a:bodyPr wrap="square" rtlCol="0">
-            <a:spAutoFit/>
-          </a:bodyPr>
-          <a:lstStyle/>
-          <a:p>
-            <a:r>
-              <a:rPr lang="en-US" b="1" dirty="0" smtClean="0">
-                <a:solidFill>
-                  <a:schemeClr val="accent1"/>
-                </a:solidFill>
-              </a:rPr>
-              <a:t>ready</a:t>
-            </a:r>
-            <a:endParaRPr lang="en-US" b="1" dirty="0">
-              <a:solidFill>
-                <a:schemeClr val="accent1"/>
-              </a:solidFill>
-            </a:endParaRPr>
-          </a:p>
-        </p:txBody>
-      </p:sp>
-      <p:cxnSp>
-        <p:nvCxnSpPr>
-          <p:cNvPr id="136" name="Elbow Connector 135"/>
-          <p:cNvCxnSpPr>
-            <a:stCxn id="4" idx="0"/>
-            <a:endCxn id="53" idx="1"/>
-          </p:cNvCxnSpPr>
-          <p:nvPr/>
-        </p:nvCxnSpPr>
-        <p:spPr>
-          <a:xfrm rot="5400000" flipH="1" flipV="1">
-            <a:off x="1701841" y="2044786"/>
-            <a:ext cx="1476627" cy="1210677"/>
-          </a:xfrm>
-          <a:prstGeom prst="bentConnector2">
-            <a:avLst/>
-          </a:prstGeom>
-          <a:ln w="38100">
-            <a:tailEnd type="triangle"/>
-          </a:ln>
-        </p:spPr>
-        <p:style>
-          <a:lnRef idx="1">
-            <a:schemeClr val="accent1"/>
-          </a:lnRef>
-          <a:fillRef idx="0">
-            <a:schemeClr val="accent1"/>
-          </a:fillRef>
-          <a:effectRef idx="0">
-            <a:schemeClr val="accent1"/>
-          </a:effectRef>
-          <a:fontRef idx="minor">
-            <a:schemeClr val="tx1"/>
-          </a:fontRef>
-        </p:style>
-      </p:cxnSp>
-      <p:cxnSp>
-        <p:nvCxnSpPr>
-          <p:cNvPr id="138" name="Elbow Connector 137"/>
-          <p:cNvCxnSpPr>
-            <a:stCxn id="4" idx="2"/>
-            <a:endCxn id="19" idx="1"/>
-          </p:cNvCxnSpPr>
-          <p:nvPr/>
-        </p:nvCxnSpPr>
-        <p:spPr>
-          <a:xfrm rot="16200000" flipH="1">
-            <a:off x="1948462" y="3766193"/>
-            <a:ext cx="989902" cy="1217194"/>
-          </a:xfrm>
-          <a:prstGeom prst="bentConnector2">
-            <a:avLst/>
-          </a:prstGeom>
-          <a:ln w="38100">
-            <a:tailEnd type="triangle"/>
-          </a:ln>
-        </p:spPr>
-        <p:style>
-          <a:lnRef idx="1">
-            <a:schemeClr val="accent1"/>
-          </a:lnRef>
-          <a:fillRef idx="0">
-            <a:schemeClr val="accent1"/>
-          </a:fillRef>
-          <a:effectRef idx="0">
-            <a:schemeClr val="accent1"/>
-          </a:effectRef>
-          <a:fontRef idx="minor">
-            <a:schemeClr val="tx1"/>
-          </a:fontRef>
-        </p:style>
-      </p:cxnSp>
-      <p:cxnSp>
-        <p:nvCxnSpPr>
-          <p:cNvPr id="140" name="Elbow Connector 139"/>
-          <p:cNvCxnSpPr>
-            <a:stCxn id="123" idx="3"/>
-            <a:endCxn id="91" idx="0"/>
-          </p:cNvCxnSpPr>
-          <p:nvPr/>
-        </p:nvCxnSpPr>
-        <p:spPr>
-          <a:xfrm>
-            <a:off x="6684535" y="2919759"/>
-            <a:ext cx="245655" cy="1547313"/>
-          </a:xfrm>
-          <a:prstGeom prst="bentConnector2">
-            <a:avLst/>
-          </a:prstGeom>
-          <a:ln w="38100">
-            <a:tailEnd type="triangle"/>
-          </a:ln>
-        </p:spPr>
-        <p:style>
-          <a:lnRef idx="1">
-            <a:schemeClr val="accent1"/>
-          </a:lnRef>
-          <a:fillRef idx="0">
-            <a:schemeClr val="accent1"/>
-          </a:fillRef>
-          <a:effectRef idx="0">
-            <a:schemeClr val="accent1"/>
-          </a:effectRef>
-          <a:fontRef idx="minor">
-            <a:schemeClr val="tx1"/>
-          </a:fontRef>
-        </p:style>
-      </p:cxnSp>
-      <p:cxnSp>
-        <p:nvCxnSpPr>
-          <p:cNvPr id="143" name="Straight Arrow Connector 142"/>
-          <p:cNvCxnSpPr/>
-          <p:nvPr/>
-        </p:nvCxnSpPr>
-        <p:spPr>
-          <a:xfrm flipV="1">
-            <a:off x="6746447" y="2906324"/>
-            <a:ext cx="1854628" cy="13435"/>
-          </a:xfrm>
-          <a:prstGeom prst="straightConnector1">
-            <a:avLst/>
-          </a:prstGeom>
-          <a:ln w="38100">
-            <a:tailEnd type="triangle"/>
-          </a:ln>
-        </p:spPr>
-        <p:style>
-          <a:lnRef idx="1">
-            <a:schemeClr val="accent1"/>
-          </a:lnRef>
-          <a:fillRef idx="0">
-            <a:schemeClr val="accent1"/>
-          </a:fillRef>
-          <a:effectRef idx="0">
-            <a:schemeClr val="accent1"/>
-          </a:effectRef>
-          <a:fontRef idx="minor">
-            <a:schemeClr val="tx1"/>
-          </a:fontRef>
-        </p:style>
-      </p:cxnSp>
-      <p:sp>
-        <p:nvSpPr>
-          <p:cNvPr id="150" name="Rounded Rectangle 149"/>
-          <p:cNvSpPr/>
-          <p:nvPr/>
-        </p:nvSpPr>
-        <p:spPr>
-          <a:xfrm>
-            <a:off x="8981843" y="5815437"/>
-            <a:ext cx="2108033" cy="821782"/>
-          </a:xfrm>
-          <a:prstGeom prst="roundRect">
-            <a:avLst/>
-          </a:prstGeom>
-          <a:solidFill>
-            <a:schemeClr val="accent2">
-              <a:lumMod val="20000"/>
-              <a:lumOff val="80000"/>
-            </a:schemeClr>
-          </a:solidFill>
-        </p:spPr>
-        <p:style>
-          <a:lnRef idx="2">
-            <a:schemeClr val="accent1">
-              <a:shade val="50000"/>
-            </a:schemeClr>
-          </a:lnRef>
-          <a:fillRef idx="1">
-            <a:schemeClr val="accent1"/>
-          </a:fillRef>
-          <a:effectRef idx="0">
-            <a:schemeClr val="accent1"/>
-          </a:effectRef>
-          <a:fontRef idx="minor">
-            <a:schemeClr val="lt1"/>
-          </a:fontRef>
-        </p:style>
-        <p:txBody>
-          <a:bodyPr rtlCol="0" anchor="ctr"/>
-          <a:lstStyle/>
-          <a:p>
-            <a:pPr algn="ctr"/>
-            <a:endParaRPr lang="en-US"/>
-          </a:p>
-        </p:txBody>
-      </p:sp>
-      <p:sp>
-        <p:nvSpPr>
-          <p:cNvPr id="151" name="TextBox 150"/>
-          <p:cNvSpPr txBox="1"/>
-          <p:nvPr/>
-        </p:nvSpPr>
-        <p:spPr>
-          <a:xfrm>
-            <a:off x="8981843" y="5760986"/>
-            <a:ext cx="2108033" cy="923330"/>
-          </a:xfrm>
-          <a:prstGeom prst="rect">
-            <a:avLst/>
-          </a:prstGeom>
-          <a:noFill/>
-        </p:spPr>
-        <p:txBody>
-          <a:bodyPr wrap="square" rtlCol="0">
-            <a:spAutoFit/>
-          </a:bodyPr>
-          <a:lstStyle/>
-          <a:p>
-            <a:pPr algn="ctr"/>
-            <a:r>
-              <a:rPr lang="en-US" b="1" dirty="0" smtClean="0"/>
-              <a:t>Linux program reads &amp; stores packet data</a:t>
-            </a:r>
-            <a:endParaRPr lang="en-US" b="1" dirty="0"/>
-          </a:p>
-        </p:txBody>
-      </p:sp>
-      <p:cxnSp>
-        <p:nvCxnSpPr>
-          <p:cNvPr id="153" name="Elbow Connector 152"/>
-          <p:cNvCxnSpPr>
-            <a:endCxn id="150" idx="0"/>
-          </p:cNvCxnSpPr>
-          <p:nvPr/>
-        </p:nvCxnSpPr>
-        <p:spPr>
-          <a:xfrm rot="5400000">
-            <a:off x="9722301" y="4447856"/>
-            <a:ext cx="1681140" cy="1054022"/>
-          </a:xfrm>
-          <a:prstGeom prst="bentConnector3">
-            <a:avLst/>
-          </a:prstGeom>
-          <a:ln w="38100">
-            <a:solidFill>
-              <a:schemeClr val="tx1"/>
-            </a:solidFill>
-            <a:tailEnd type="triangle"/>
-          </a:ln>
-        </p:spPr>
-        <p:style>
-          <a:lnRef idx="1">
-            <a:schemeClr val="accent1"/>
-          </a:lnRef>
-          <a:fillRef idx="0">
-            <a:schemeClr val="accent1"/>
-          </a:fillRef>
-          <a:effectRef idx="0">
-            <a:schemeClr val="accent1"/>
-          </a:effectRef>
-          <a:fontRef idx="minor">
-            <a:schemeClr val="tx1"/>
-          </a:fontRef>
-        </p:style>
-      </p:cxnSp>
-      <p:sp>
-        <p:nvSpPr>
-          <p:cNvPr id="60" name="TextBox 59"/>
-          <p:cNvSpPr txBox="1"/>
-          <p:nvPr/>
-        </p:nvSpPr>
-        <p:spPr>
-          <a:xfrm>
-            <a:off x="6883878" y="3764407"/>
-            <a:ext cx="1683193" cy="646331"/>
-          </a:xfrm>
-          <a:prstGeom prst="rect">
-            <a:avLst/>
-          </a:prstGeom>
-          <a:noFill/>
-        </p:spPr>
-        <p:txBody>
-          <a:bodyPr wrap="square" rtlCol="0">
-            <a:spAutoFit/>
-          </a:bodyPr>
-          <a:lstStyle/>
-          <a:p>
-            <a:r>
-              <a:rPr lang="en-US" b="1" dirty="0" smtClean="0">
-                <a:solidFill>
-                  <a:schemeClr val="accent1"/>
-                </a:solidFill>
-              </a:rPr>
-              <a:t>Tell FIFO to send</a:t>
-            </a:r>
-            <a:endParaRPr lang="en-US" b="1" dirty="0">
-              <a:solidFill>
-                <a:schemeClr val="accent1"/>
-              </a:solidFill>
-            </a:endParaRPr>
           </a:p>
         </p:txBody>
       </p:sp>
     </p:spTree>
     <p:extLst>
       <p:ext uri="{BB962C8B-B14F-4D97-AF65-F5344CB8AC3E}">
-        <p14:creationId xmlns:p14="http://schemas.microsoft.com/office/powerpoint/2010/main" val="3009124647"/>
+        <p14:creationId xmlns:p14="http://schemas.microsoft.com/office/powerpoint/2010/main" val="2608904267"/>
       </p:ext>
     </p:extLst>
   </p:cSld>
@@ -6248,6 +4191,2265 @@
           <a:chExt cx="0" cy="0"/>
         </a:xfrm>
       </p:grpSpPr>
+      <p:sp>
+        <p:nvSpPr>
+          <p:cNvPr id="2" name="Title 1"/>
+          <p:cNvSpPr>
+            <a:spLocks noGrp="1"/>
+          </p:cNvSpPr>
+          <p:nvPr>
+            <p:ph type="title"/>
+          </p:nvPr>
+        </p:nvSpPr>
+        <p:spPr/>
+        <p:txBody>
+          <a:bodyPr/>
+          <a:lstStyle/>
+          <a:p>
+            <a:r>
+              <a:rPr lang="en-US" dirty="0" smtClean="0"/>
+              <a:t>Backup Slides</a:t>
+            </a:r>
+            <a:endParaRPr lang="en-US" dirty="0"/>
+          </a:p>
+        </p:txBody>
+      </p:sp>
+      <p:sp>
+        <p:nvSpPr>
+          <p:cNvPr id="3" name="Text Placeholder 2"/>
+          <p:cNvSpPr>
+            <a:spLocks noGrp="1"/>
+          </p:cNvSpPr>
+          <p:nvPr>
+            <p:ph type="body" idx="1"/>
+          </p:nvPr>
+        </p:nvSpPr>
+        <p:spPr/>
+        <p:txBody>
+          <a:bodyPr/>
+          <a:lstStyle/>
+          <a:p>
+            <a:endParaRPr lang="en-US"/>
+          </a:p>
+        </p:txBody>
+      </p:sp>
+    </p:spTree>
+    <p:extLst>
+      <p:ext uri="{BB962C8B-B14F-4D97-AF65-F5344CB8AC3E}">
+        <p14:creationId xmlns:p14="http://schemas.microsoft.com/office/powerpoint/2010/main" val="4074973322"/>
+      </p:ext>
+    </p:extLst>
+  </p:cSld>
+  <p:clrMapOvr>
+    <a:masterClrMapping/>
+  </p:clrMapOvr>
+  <p:timing>
+    <p:tnLst>
+      <p:par>
+        <p:cTn id="1" dur="indefinite" restart="never" nodeType="tmRoot"/>
+      </p:par>
+    </p:tnLst>
+  </p:timing>
+</p:sld>
+</file>
+
+<file path=ppt/slides/slide12.xml><?xml version="1.0" encoding="utf-8"?>
+<p:sld xmlns:a="http://schemas.openxmlformats.org/drawingml/2006/main" xmlns:r="http://schemas.openxmlformats.org/officeDocument/2006/relationships" xmlns:p="http://schemas.openxmlformats.org/presentationml/2006/main">
+  <p:cSld>
+    <p:spTree>
+      <p:nvGrpSpPr>
+        <p:cNvPr id="1" name=""/>
+        <p:cNvGrpSpPr/>
+        <p:nvPr/>
+      </p:nvGrpSpPr>
+      <p:grpSpPr>
+        <a:xfrm>
+          <a:off x="0" y="0"/>
+          <a:ext cx="0" cy="0"/>
+          <a:chOff x="0" y="0"/>
+          <a:chExt cx="0" cy="0"/>
+        </a:xfrm>
+      </p:grpSpPr>
+      <p:sp>
+        <p:nvSpPr>
+          <p:cNvPr id="19" name="Rectangle 18"/>
+          <p:cNvSpPr/>
+          <p:nvPr/>
+        </p:nvSpPr>
+        <p:spPr>
+          <a:xfrm>
+            <a:off x="3052010" y="4467072"/>
+            <a:ext cx="2101516" cy="805337"/>
+          </a:xfrm>
+          <a:prstGeom prst="rect">
+            <a:avLst/>
+          </a:prstGeom>
+        </p:spPr>
+        <p:style>
+          <a:lnRef idx="2">
+            <a:schemeClr val="accent1">
+              <a:shade val="50000"/>
+            </a:schemeClr>
+          </a:lnRef>
+          <a:fillRef idx="1">
+            <a:schemeClr val="accent1"/>
+          </a:fillRef>
+          <a:effectRef idx="0">
+            <a:schemeClr val="accent1"/>
+          </a:effectRef>
+          <a:fontRef idx="minor">
+            <a:schemeClr val="lt1"/>
+          </a:fontRef>
+        </p:style>
+        <p:txBody>
+          <a:bodyPr rtlCol="0" anchor="ctr"/>
+          <a:lstStyle/>
+          <a:p>
+            <a:pPr algn="ctr"/>
+            <a:endParaRPr lang="en-US"/>
+          </a:p>
+        </p:txBody>
+      </p:sp>
+      <p:sp>
+        <p:nvSpPr>
+          <p:cNvPr id="2" name="Title 1"/>
+          <p:cNvSpPr>
+            <a:spLocks noGrp="1"/>
+          </p:cNvSpPr>
+          <p:nvPr>
+            <p:ph type="title"/>
+          </p:nvPr>
+        </p:nvSpPr>
+        <p:spPr/>
+        <p:txBody>
+          <a:bodyPr/>
+          <a:lstStyle/>
+          <a:p>
+            <a:r>
+              <a:rPr lang="en-US" dirty="0" smtClean="0"/>
+              <a:t>Basic Firmware Layout (Timing Details)</a:t>
+            </a:r>
+            <a:endParaRPr lang="en-US" dirty="0"/>
+          </a:p>
+        </p:txBody>
+      </p:sp>
+      <p:sp>
+        <p:nvSpPr>
+          <p:cNvPr id="4" name="Rounded Rectangle 3"/>
+          <p:cNvSpPr/>
+          <p:nvPr/>
+        </p:nvSpPr>
+        <p:spPr>
+          <a:xfrm>
+            <a:off x="838200" y="3388437"/>
+            <a:ext cx="1993232" cy="491402"/>
+          </a:xfrm>
+          <a:prstGeom prst="roundRect">
+            <a:avLst/>
+          </a:prstGeom>
+        </p:spPr>
+        <p:style>
+          <a:lnRef idx="2">
+            <a:schemeClr val="accent1">
+              <a:shade val="50000"/>
+            </a:schemeClr>
+          </a:lnRef>
+          <a:fillRef idx="1">
+            <a:schemeClr val="accent1"/>
+          </a:fillRef>
+          <a:effectRef idx="0">
+            <a:schemeClr val="accent1"/>
+          </a:effectRef>
+          <a:fontRef idx="minor">
+            <a:schemeClr val="lt1"/>
+          </a:fontRef>
+        </p:style>
+        <p:txBody>
+          <a:bodyPr rtlCol="0" anchor="ctr"/>
+          <a:lstStyle/>
+          <a:p>
+            <a:pPr algn="ctr"/>
+            <a:endParaRPr lang="en-US"/>
+          </a:p>
+        </p:txBody>
+      </p:sp>
+      <p:sp>
+        <p:nvSpPr>
+          <p:cNvPr id="5" name="TextBox 4"/>
+          <p:cNvSpPr txBox="1"/>
+          <p:nvPr/>
+        </p:nvSpPr>
+        <p:spPr>
+          <a:xfrm>
+            <a:off x="946484" y="3449472"/>
+            <a:ext cx="1796716" cy="369332"/>
+          </a:xfrm>
+          <a:prstGeom prst="rect">
+            <a:avLst/>
+          </a:prstGeom>
+          <a:noFill/>
+        </p:spPr>
+        <p:txBody>
+          <a:bodyPr wrap="square" rtlCol="0">
+            <a:spAutoFit/>
+          </a:bodyPr>
+          <a:lstStyle/>
+          <a:p>
+            <a:pPr algn="ctr"/>
+            <a:r>
+              <a:rPr lang="en-US" b="1" dirty="0" smtClean="0"/>
+              <a:t>Trigger</a:t>
+            </a:r>
+          </a:p>
+        </p:txBody>
+      </p:sp>
+      <p:sp>
+        <p:nvSpPr>
+          <p:cNvPr id="8" name="TextBox 7"/>
+          <p:cNvSpPr txBox="1"/>
+          <p:nvPr/>
+        </p:nvSpPr>
+        <p:spPr>
+          <a:xfrm>
+            <a:off x="3212681" y="4546574"/>
+            <a:ext cx="1796716" cy="646331"/>
+          </a:xfrm>
+          <a:prstGeom prst="rect">
+            <a:avLst/>
+          </a:prstGeom>
+          <a:noFill/>
+        </p:spPr>
+        <p:txBody>
+          <a:bodyPr wrap="square" rtlCol="0">
+            <a:spAutoFit/>
+          </a:bodyPr>
+          <a:lstStyle/>
+          <a:p>
+            <a:pPr algn="ctr"/>
+            <a:r>
+              <a:rPr lang="en-US" b="1" dirty="0" smtClean="0"/>
+              <a:t>Retrieve</a:t>
+            </a:r>
+          </a:p>
+          <a:p>
+            <a:pPr algn="ctr"/>
+            <a:r>
+              <a:rPr lang="en-US" b="1" dirty="0" smtClean="0"/>
+              <a:t>Timestamp</a:t>
+            </a:r>
+          </a:p>
+        </p:txBody>
+      </p:sp>
+      <p:cxnSp>
+        <p:nvCxnSpPr>
+          <p:cNvPr id="22" name="Straight Arrow Connector 21"/>
+          <p:cNvCxnSpPr>
+            <a:stCxn id="19" idx="2"/>
+            <a:endCxn id="24" idx="0"/>
+          </p:cNvCxnSpPr>
+          <p:nvPr/>
+        </p:nvCxnSpPr>
+        <p:spPr>
+          <a:xfrm flipH="1">
+            <a:off x="4099510" y="5272409"/>
+            <a:ext cx="3258" cy="543028"/>
+          </a:xfrm>
+          <a:prstGeom prst="straightConnector1">
+            <a:avLst/>
+          </a:prstGeom>
+          <a:ln w="38100">
+            <a:tailEnd type="triangle"/>
+          </a:ln>
+        </p:spPr>
+        <p:style>
+          <a:lnRef idx="3">
+            <a:schemeClr val="dk1"/>
+          </a:lnRef>
+          <a:fillRef idx="0">
+            <a:schemeClr val="dk1"/>
+          </a:fillRef>
+          <a:effectRef idx="2">
+            <a:schemeClr val="dk1"/>
+          </a:effectRef>
+          <a:fontRef idx="minor">
+            <a:schemeClr val="tx1"/>
+          </a:fontRef>
+        </p:style>
+      </p:cxnSp>
+      <p:sp>
+        <p:nvSpPr>
+          <p:cNvPr id="24" name="Rounded Rectangle 23"/>
+          <p:cNvSpPr/>
+          <p:nvPr/>
+        </p:nvSpPr>
+        <p:spPr>
+          <a:xfrm>
+            <a:off x="3045493" y="5815437"/>
+            <a:ext cx="2108033" cy="821782"/>
+          </a:xfrm>
+          <a:prstGeom prst="roundRect">
+            <a:avLst/>
+          </a:prstGeom>
+          <a:solidFill>
+            <a:schemeClr val="accent2">
+              <a:lumMod val="20000"/>
+              <a:lumOff val="80000"/>
+            </a:schemeClr>
+          </a:solidFill>
+        </p:spPr>
+        <p:style>
+          <a:lnRef idx="2">
+            <a:schemeClr val="accent1">
+              <a:shade val="50000"/>
+            </a:schemeClr>
+          </a:lnRef>
+          <a:fillRef idx="1">
+            <a:schemeClr val="accent1"/>
+          </a:fillRef>
+          <a:effectRef idx="0">
+            <a:schemeClr val="accent1"/>
+          </a:effectRef>
+          <a:fontRef idx="minor">
+            <a:schemeClr val="lt1"/>
+          </a:fontRef>
+        </p:style>
+        <p:txBody>
+          <a:bodyPr rtlCol="0" anchor="ctr"/>
+          <a:lstStyle/>
+          <a:p>
+            <a:pPr algn="ctr"/>
+            <a:endParaRPr lang="en-US"/>
+          </a:p>
+        </p:txBody>
+      </p:sp>
+      <p:sp>
+        <p:nvSpPr>
+          <p:cNvPr id="26" name="TextBox 25"/>
+          <p:cNvSpPr txBox="1"/>
+          <p:nvPr/>
+        </p:nvSpPr>
+        <p:spPr>
+          <a:xfrm>
+            <a:off x="3045493" y="5903162"/>
+            <a:ext cx="2108033" cy="646331"/>
+          </a:xfrm>
+          <a:prstGeom prst="rect">
+            <a:avLst/>
+          </a:prstGeom>
+          <a:noFill/>
+        </p:spPr>
+        <p:txBody>
+          <a:bodyPr wrap="square" rtlCol="0">
+            <a:spAutoFit/>
+          </a:bodyPr>
+          <a:lstStyle/>
+          <a:p>
+            <a:pPr algn="ctr"/>
+            <a:r>
+              <a:rPr lang="en-US" b="1" dirty="0" smtClean="0"/>
+              <a:t>DCRC triggers and saves timestamp</a:t>
+            </a:r>
+            <a:endParaRPr lang="en-US" b="1" dirty="0"/>
+          </a:p>
+        </p:txBody>
+      </p:sp>
+      <p:sp>
+        <p:nvSpPr>
+          <p:cNvPr id="29" name="Rectangle 28"/>
+          <p:cNvSpPr/>
+          <p:nvPr/>
+        </p:nvSpPr>
+        <p:spPr>
+          <a:xfrm>
+            <a:off x="3052010" y="3246236"/>
+            <a:ext cx="2101516" cy="805337"/>
+          </a:xfrm>
+          <a:prstGeom prst="rect">
+            <a:avLst/>
+          </a:prstGeom>
+        </p:spPr>
+        <p:style>
+          <a:lnRef idx="2">
+            <a:schemeClr val="accent1">
+              <a:shade val="50000"/>
+            </a:schemeClr>
+          </a:lnRef>
+          <a:fillRef idx="1">
+            <a:schemeClr val="accent1"/>
+          </a:fillRef>
+          <a:effectRef idx="0">
+            <a:schemeClr val="accent1"/>
+          </a:effectRef>
+          <a:fontRef idx="minor">
+            <a:schemeClr val="lt1"/>
+          </a:fontRef>
+        </p:style>
+        <p:txBody>
+          <a:bodyPr rtlCol="0" anchor="ctr"/>
+          <a:lstStyle/>
+          <a:p>
+            <a:pPr algn="ctr"/>
+            <a:endParaRPr lang="en-US"/>
+          </a:p>
+        </p:txBody>
+      </p:sp>
+      <p:sp>
+        <p:nvSpPr>
+          <p:cNvPr id="30" name="TextBox 29"/>
+          <p:cNvSpPr txBox="1"/>
+          <p:nvPr/>
+        </p:nvSpPr>
+        <p:spPr>
+          <a:xfrm>
+            <a:off x="3184608" y="3340070"/>
+            <a:ext cx="1796716" cy="646331"/>
+          </a:xfrm>
+          <a:prstGeom prst="rect">
+            <a:avLst/>
+          </a:prstGeom>
+          <a:noFill/>
+        </p:spPr>
+        <p:txBody>
+          <a:bodyPr wrap="square" rtlCol="0">
+            <a:spAutoFit/>
+          </a:bodyPr>
+          <a:lstStyle/>
+          <a:p>
+            <a:pPr algn="ctr"/>
+            <a:r>
+              <a:rPr lang="en-US" b="1" dirty="0" smtClean="0"/>
+              <a:t>Integrate</a:t>
+            </a:r>
+          </a:p>
+          <a:p>
+            <a:pPr algn="ctr"/>
+            <a:r>
+              <a:rPr lang="en-US" b="1" dirty="0" smtClean="0"/>
+              <a:t>CH 1</a:t>
+            </a:r>
+          </a:p>
+        </p:txBody>
+      </p:sp>
+      <p:sp>
+        <p:nvSpPr>
+          <p:cNvPr id="31" name="Rectangle 30"/>
+          <p:cNvSpPr/>
+          <p:nvPr/>
+        </p:nvSpPr>
+        <p:spPr>
+          <a:xfrm>
+            <a:off x="3045493" y="2375726"/>
+            <a:ext cx="2101516" cy="805337"/>
+          </a:xfrm>
+          <a:prstGeom prst="rect">
+            <a:avLst/>
+          </a:prstGeom>
+        </p:spPr>
+        <p:style>
+          <a:lnRef idx="2">
+            <a:schemeClr val="accent1">
+              <a:shade val="50000"/>
+            </a:schemeClr>
+          </a:lnRef>
+          <a:fillRef idx="1">
+            <a:schemeClr val="accent1"/>
+          </a:fillRef>
+          <a:effectRef idx="0">
+            <a:schemeClr val="accent1"/>
+          </a:effectRef>
+          <a:fontRef idx="minor">
+            <a:schemeClr val="lt1"/>
+          </a:fontRef>
+        </p:style>
+        <p:txBody>
+          <a:bodyPr rtlCol="0" anchor="ctr"/>
+          <a:lstStyle/>
+          <a:p>
+            <a:pPr algn="ctr"/>
+            <a:endParaRPr lang="en-US" b="1"/>
+          </a:p>
+        </p:txBody>
+      </p:sp>
+      <p:sp>
+        <p:nvSpPr>
+          <p:cNvPr id="32" name="TextBox 31"/>
+          <p:cNvSpPr txBox="1"/>
+          <p:nvPr/>
+        </p:nvSpPr>
+        <p:spPr>
+          <a:xfrm>
+            <a:off x="3178091" y="2469560"/>
+            <a:ext cx="1796716" cy="646331"/>
+          </a:xfrm>
+          <a:prstGeom prst="rect">
+            <a:avLst/>
+          </a:prstGeom>
+          <a:noFill/>
+        </p:spPr>
+        <p:txBody>
+          <a:bodyPr wrap="square" rtlCol="0">
+            <a:spAutoFit/>
+          </a:bodyPr>
+          <a:lstStyle/>
+          <a:p>
+            <a:pPr algn="ctr"/>
+            <a:r>
+              <a:rPr lang="en-US" b="1" dirty="0" smtClean="0"/>
+              <a:t>Integrate</a:t>
+            </a:r>
+          </a:p>
+          <a:p>
+            <a:pPr algn="ctr"/>
+            <a:r>
+              <a:rPr lang="en-US" b="1" dirty="0" smtClean="0"/>
+              <a:t>CH 0</a:t>
+            </a:r>
+          </a:p>
+        </p:txBody>
+      </p:sp>
+      <p:cxnSp>
+        <p:nvCxnSpPr>
+          <p:cNvPr id="39" name="Straight Arrow Connector 38"/>
+          <p:cNvCxnSpPr/>
+          <p:nvPr/>
+        </p:nvCxnSpPr>
+        <p:spPr>
+          <a:xfrm>
+            <a:off x="1828299" y="2795750"/>
+            <a:ext cx="1217194" cy="2646"/>
+          </a:xfrm>
+          <a:prstGeom prst="straightConnector1">
+            <a:avLst/>
+          </a:prstGeom>
+          <a:ln w="38100">
+            <a:tailEnd type="triangle"/>
+          </a:ln>
+        </p:spPr>
+        <p:style>
+          <a:lnRef idx="1">
+            <a:schemeClr val="accent1"/>
+          </a:lnRef>
+          <a:fillRef idx="0">
+            <a:schemeClr val="accent1"/>
+          </a:fillRef>
+          <a:effectRef idx="0">
+            <a:schemeClr val="accent1"/>
+          </a:effectRef>
+          <a:fontRef idx="minor">
+            <a:schemeClr val="tx1"/>
+          </a:fontRef>
+        </p:style>
+      </p:cxnSp>
+      <p:cxnSp>
+        <p:nvCxnSpPr>
+          <p:cNvPr id="45" name="Straight Arrow Connector 44"/>
+          <p:cNvCxnSpPr/>
+          <p:nvPr/>
+        </p:nvCxnSpPr>
+        <p:spPr>
+          <a:xfrm>
+            <a:off x="2377114" y="3646613"/>
+            <a:ext cx="668379" cy="3866"/>
+          </a:xfrm>
+          <a:prstGeom prst="straightConnector1">
+            <a:avLst/>
+          </a:prstGeom>
+          <a:ln w="38100">
+            <a:tailEnd type="triangle"/>
+          </a:ln>
+        </p:spPr>
+        <p:style>
+          <a:lnRef idx="1">
+            <a:schemeClr val="accent1"/>
+          </a:lnRef>
+          <a:fillRef idx="0">
+            <a:schemeClr val="accent1"/>
+          </a:fillRef>
+          <a:effectRef idx="0">
+            <a:schemeClr val="accent1"/>
+          </a:effectRef>
+          <a:fontRef idx="minor">
+            <a:schemeClr val="tx1"/>
+          </a:fontRef>
+        </p:style>
+      </p:cxnSp>
+      <p:sp>
+        <p:nvSpPr>
+          <p:cNvPr id="47" name="Rectangle 46"/>
+          <p:cNvSpPr/>
+          <p:nvPr/>
+        </p:nvSpPr>
+        <p:spPr>
+          <a:xfrm>
+            <a:off x="8602579" y="1509141"/>
+            <a:ext cx="2751221" cy="2625156"/>
+          </a:xfrm>
+          <a:prstGeom prst="rect">
+            <a:avLst/>
+          </a:prstGeom>
+          <a:solidFill>
+            <a:schemeClr val="accent1">
+              <a:lumMod val="40000"/>
+              <a:lumOff val="60000"/>
+            </a:schemeClr>
+          </a:solidFill>
+        </p:spPr>
+        <p:style>
+          <a:lnRef idx="2">
+            <a:schemeClr val="accent1">
+              <a:shade val="50000"/>
+            </a:schemeClr>
+          </a:lnRef>
+          <a:fillRef idx="1">
+            <a:schemeClr val="accent1"/>
+          </a:fillRef>
+          <a:effectRef idx="0">
+            <a:schemeClr val="accent1"/>
+          </a:effectRef>
+          <a:fontRef idx="minor">
+            <a:schemeClr val="lt1"/>
+          </a:fontRef>
+        </p:style>
+        <p:txBody>
+          <a:bodyPr rtlCol="0" anchor="ctr"/>
+          <a:lstStyle/>
+          <a:p>
+            <a:pPr algn="ctr"/>
+            <a:endParaRPr lang="en-US"/>
+          </a:p>
+        </p:txBody>
+      </p:sp>
+      <p:sp>
+        <p:nvSpPr>
+          <p:cNvPr id="48" name="TextBox 47"/>
+          <p:cNvSpPr txBox="1"/>
+          <p:nvPr/>
+        </p:nvSpPr>
+        <p:spPr>
+          <a:xfrm>
+            <a:off x="8602579" y="1509141"/>
+            <a:ext cx="2751221" cy="646331"/>
+          </a:xfrm>
+          <a:prstGeom prst="rect">
+            <a:avLst/>
+          </a:prstGeom>
+          <a:noFill/>
+        </p:spPr>
+        <p:txBody>
+          <a:bodyPr wrap="square" rtlCol="0">
+            <a:spAutoFit/>
+          </a:bodyPr>
+          <a:lstStyle/>
+          <a:p>
+            <a:pPr algn="ctr"/>
+            <a:r>
+              <a:rPr lang="en-US" b="1" dirty="0" smtClean="0"/>
+              <a:t>Custom Packet </a:t>
+            </a:r>
+            <a:r>
+              <a:rPr lang="en-US" b="1" dirty="0" err="1" smtClean="0"/>
+              <a:t>All_Energies</a:t>
+            </a:r>
+            <a:endParaRPr lang="en-US" b="1" dirty="0" smtClean="0"/>
+          </a:p>
+        </p:txBody>
+      </p:sp>
+      <p:sp>
+        <p:nvSpPr>
+          <p:cNvPr id="49" name="Rectangle 48"/>
+          <p:cNvSpPr/>
+          <p:nvPr/>
+        </p:nvSpPr>
+        <p:spPr>
+          <a:xfrm>
+            <a:off x="8730916" y="1878473"/>
+            <a:ext cx="2518611" cy="490524"/>
+          </a:xfrm>
+          <a:prstGeom prst="rect">
+            <a:avLst/>
+          </a:prstGeom>
+        </p:spPr>
+        <p:style>
+          <a:lnRef idx="2">
+            <a:schemeClr val="accent6">
+              <a:shade val="50000"/>
+            </a:schemeClr>
+          </a:lnRef>
+          <a:fillRef idx="1">
+            <a:schemeClr val="accent6"/>
+          </a:fillRef>
+          <a:effectRef idx="0">
+            <a:schemeClr val="accent6"/>
+          </a:effectRef>
+          <a:fontRef idx="minor">
+            <a:schemeClr val="lt1"/>
+          </a:fontRef>
+        </p:style>
+        <p:txBody>
+          <a:bodyPr rtlCol="0" anchor="ctr"/>
+          <a:lstStyle/>
+          <a:p>
+            <a:pPr algn="ctr"/>
+            <a:endParaRPr lang="en-US"/>
+          </a:p>
+        </p:txBody>
+      </p:sp>
+      <p:sp>
+        <p:nvSpPr>
+          <p:cNvPr id="50" name="TextBox 49"/>
+          <p:cNvSpPr txBox="1"/>
+          <p:nvPr/>
+        </p:nvSpPr>
+        <p:spPr>
+          <a:xfrm>
+            <a:off x="8730916" y="1933787"/>
+            <a:ext cx="2518611" cy="369332"/>
+          </a:xfrm>
+          <a:prstGeom prst="rect">
+            <a:avLst/>
+          </a:prstGeom>
+          <a:noFill/>
+        </p:spPr>
+        <p:txBody>
+          <a:bodyPr wrap="square" rtlCol="0">
+            <a:spAutoFit/>
+          </a:bodyPr>
+          <a:lstStyle/>
+          <a:p>
+            <a:pPr algn="ctr"/>
+            <a:r>
+              <a:rPr lang="en-US" dirty="0" smtClean="0"/>
+              <a:t>0x80000000</a:t>
+            </a:r>
+            <a:endParaRPr lang="en-US" dirty="0"/>
+          </a:p>
+        </p:txBody>
+      </p:sp>
+      <p:sp>
+        <p:nvSpPr>
+          <p:cNvPr id="51" name="Rectangle 50"/>
+          <p:cNvSpPr/>
+          <p:nvPr/>
+        </p:nvSpPr>
+        <p:spPr>
+          <a:xfrm>
+            <a:off x="8730916" y="2441082"/>
+            <a:ext cx="2518611" cy="490524"/>
+          </a:xfrm>
+          <a:prstGeom prst="rect">
+            <a:avLst/>
+          </a:prstGeom>
+        </p:spPr>
+        <p:style>
+          <a:lnRef idx="2">
+            <a:schemeClr val="accent6">
+              <a:shade val="50000"/>
+            </a:schemeClr>
+          </a:lnRef>
+          <a:fillRef idx="1">
+            <a:schemeClr val="accent6"/>
+          </a:fillRef>
+          <a:effectRef idx="0">
+            <a:schemeClr val="accent6"/>
+          </a:effectRef>
+          <a:fontRef idx="minor">
+            <a:schemeClr val="lt1"/>
+          </a:fontRef>
+        </p:style>
+        <p:txBody>
+          <a:bodyPr rtlCol="0" anchor="ctr"/>
+          <a:lstStyle/>
+          <a:p>
+            <a:pPr algn="ctr"/>
+            <a:endParaRPr lang="en-US"/>
+          </a:p>
+        </p:txBody>
+      </p:sp>
+      <p:sp>
+        <p:nvSpPr>
+          <p:cNvPr id="52" name="TextBox 51"/>
+          <p:cNvSpPr txBox="1"/>
+          <p:nvPr/>
+        </p:nvSpPr>
+        <p:spPr>
+          <a:xfrm>
+            <a:off x="8730916" y="2496396"/>
+            <a:ext cx="2518611" cy="369332"/>
+          </a:xfrm>
+          <a:prstGeom prst="rect">
+            <a:avLst/>
+          </a:prstGeom>
+          <a:noFill/>
+        </p:spPr>
+        <p:txBody>
+          <a:bodyPr wrap="square" rtlCol="0">
+            <a:spAutoFit/>
+          </a:bodyPr>
+          <a:lstStyle/>
+          <a:p>
+            <a:pPr algn="ctr"/>
+            <a:r>
+              <a:rPr lang="en-US" dirty="0" err="1" smtClean="0"/>
+              <a:t>trigger_code</a:t>
+            </a:r>
+            <a:endParaRPr lang="en-US" dirty="0"/>
+          </a:p>
+        </p:txBody>
+      </p:sp>
+      <p:sp>
+        <p:nvSpPr>
+          <p:cNvPr id="53" name="Rectangle 52"/>
+          <p:cNvSpPr/>
+          <p:nvPr/>
+        </p:nvSpPr>
+        <p:spPr>
+          <a:xfrm>
+            <a:off x="3045493" y="1509141"/>
+            <a:ext cx="2101516" cy="805337"/>
+          </a:xfrm>
+          <a:prstGeom prst="rect">
+            <a:avLst/>
+          </a:prstGeom>
+        </p:spPr>
+        <p:style>
+          <a:lnRef idx="2">
+            <a:schemeClr val="accent1">
+              <a:shade val="50000"/>
+            </a:schemeClr>
+          </a:lnRef>
+          <a:fillRef idx="1">
+            <a:schemeClr val="accent1"/>
+          </a:fillRef>
+          <a:effectRef idx="0">
+            <a:schemeClr val="accent1"/>
+          </a:effectRef>
+          <a:fontRef idx="minor">
+            <a:schemeClr val="lt1"/>
+          </a:fontRef>
+        </p:style>
+        <p:txBody>
+          <a:bodyPr rtlCol="0" anchor="ctr"/>
+          <a:lstStyle/>
+          <a:p>
+            <a:pPr algn="ctr"/>
+            <a:endParaRPr lang="en-US" b="1"/>
+          </a:p>
+        </p:txBody>
+      </p:sp>
+      <p:sp>
+        <p:nvSpPr>
+          <p:cNvPr id="54" name="TextBox 53"/>
+          <p:cNvSpPr txBox="1"/>
+          <p:nvPr/>
+        </p:nvSpPr>
+        <p:spPr>
+          <a:xfrm>
+            <a:off x="3178091" y="1602975"/>
+            <a:ext cx="1796716" cy="646331"/>
+          </a:xfrm>
+          <a:prstGeom prst="rect">
+            <a:avLst/>
+          </a:prstGeom>
+          <a:noFill/>
+        </p:spPr>
+        <p:txBody>
+          <a:bodyPr wrap="square" rtlCol="0">
+            <a:spAutoFit/>
+          </a:bodyPr>
+          <a:lstStyle/>
+          <a:p>
+            <a:pPr algn="ctr"/>
+            <a:r>
+              <a:rPr lang="en-US" b="1" dirty="0" smtClean="0"/>
+              <a:t>Generate</a:t>
+            </a:r>
+          </a:p>
+          <a:p>
+            <a:pPr algn="ctr"/>
+            <a:r>
+              <a:rPr lang="en-US" b="1" dirty="0" smtClean="0"/>
+              <a:t>Trigger Code</a:t>
+            </a:r>
+          </a:p>
+        </p:txBody>
+      </p:sp>
+      <p:sp>
+        <p:nvSpPr>
+          <p:cNvPr id="62" name="Rectangle 61"/>
+          <p:cNvSpPr/>
+          <p:nvPr/>
+        </p:nvSpPr>
+        <p:spPr>
+          <a:xfrm>
+            <a:off x="8730917" y="2991961"/>
+            <a:ext cx="1211178" cy="490524"/>
+          </a:xfrm>
+          <a:prstGeom prst="rect">
+            <a:avLst/>
+          </a:prstGeom>
+        </p:spPr>
+        <p:style>
+          <a:lnRef idx="2">
+            <a:schemeClr val="accent6">
+              <a:shade val="50000"/>
+            </a:schemeClr>
+          </a:lnRef>
+          <a:fillRef idx="1">
+            <a:schemeClr val="accent6"/>
+          </a:fillRef>
+          <a:effectRef idx="0">
+            <a:schemeClr val="accent6"/>
+          </a:effectRef>
+          <a:fontRef idx="minor">
+            <a:schemeClr val="lt1"/>
+          </a:fontRef>
+        </p:style>
+        <p:txBody>
+          <a:bodyPr rtlCol="0" anchor="ctr"/>
+          <a:lstStyle/>
+          <a:p>
+            <a:pPr algn="ctr"/>
+            <a:endParaRPr lang="en-US"/>
+          </a:p>
+        </p:txBody>
+      </p:sp>
+      <p:sp>
+        <p:nvSpPr>
+          <p:cNvPr id="63" name="TextBox 62"/>
+          <p:cNvSpPr txBox="1"/>
+          <p:nvPr/>
+        </p:nvSpPr>
+        <p:spPr>
+          <a:xfrm>
+            <a:off x="8730917" y="3047275"/>
+            <a:ext cx="1211178" cy="369332"/>
+          </a:xfrm>
+          <a:prstGeom prst="rect">
+            <a:avLst/>
+          </a:prstGeom>
+          <a:noFill/>
+        </p:spPr>
+        <p:txBody>
+          <a:bodyPr wrap="square" rtlCol="0">
+            <a:spAutoFit/>
+          </a:bodyPr>
+          <a:lstStyle/>
+          <a:p>
+            <a:pPr algn="ctr"/>
+            <a:r>
+              <a:rPr lang="en-US" dirty="0" smtClean="0"/>
+              <a:t>timestamp</a:t>
+            </a:r>
+            <a:endParaRPr lang="en-US" dirty="0"/>
+          </a:p>
+        </p:txBody>
+      </p:sp>
+      <p:sp>
+        <p:nvSpPr>
+          <p:cNvPr id="72" name="Rectangle 71"/>
+          <p:cNvSpPr/>
+          <p:nvPr/>
+        </p:nvSpPr>
+        <p:spPr>
+          <a:xfrm>
+            <a:off x="8730917" y="2991961"/>
+            <a:ext cx="1211178" cy="490524"/>
+          </a:xfrm>
+          <a:prstGeom prst="rect">
+            <a:avLst/>
+          </a:prstGeom>
+        </p:spPr>
+        <p:style>
+          <a:lnRef idx="2">
+            <a:schemeClr val="accent6">
+              <a:shade val="50000"/>
+            </a:schemeClr>
+          </a:lnRef>
+          <a:fillRef idx="1">
+            <a:schemeClr val="accent6"/>
+          </a:fillRef>
+          <a:effectRef idx="0">
+            <a:schemeClr val="accent6"/>
+          </a:effectRef>
+          <a:fontRef idx="minor">
+            <a:schemeClr val="lt1"/>
+          </a:fontRef>
+        </p:style>
+        <p:txBody>
+          <a:bodyPr rtlCol="0" anchor="ctr"/>
+          <a:lstStyle/>
+          <a:p>
+            <a:pPr algn="ctr"/>
+            <a:endParaRPr lang="en-US"/>
+          </a:p>
+        </p:txBody>
+      </p:sp>
+      <p:sp>
+        <p:nvSpPr>
+          <p:cNvPr id="73" name="TextBox 72"/>
+          <p:cNvSpPr txBox="1"/>
+          <p:nvPr/>
+        </p:nvSpPr>
+        <p:spPr>
+          <a:xfrm>
+            <a:off x="8730917" y="3047275"/>
+            <a:ext cx="1211178" cy="369332"/>
+          </a:xfrm>
+          <a:prstGeom prst="rect">
+            <a:avLst/>
+          </a:prstGeom>
+          <a:noFill/>
+        </p:spPr>
+        <p:txBody>
+          <a:bodyPr wrap="square" rtlCol="0">
+            <a:spAutoFit/>
+          </a:bodyPr>
+          <a:lstStyle/>
+          <a:p>
+            <a:pPr algn="ctr"/>
+            <a:r>
+              <a:rPr lang="en-US" dirty="0" smtClean="0"/>
+              <a:t>timestamp</a:t>
+            </a:r>
+            <a:endParaRPr lang="en-US" dirty="0"/>
+          </a:p>
+        </p:txBody>
+      </p:sp>
+      <p:sp>
+        <p:nvSpPr>
+          <p:cNvPr id="78" name="Rectangle 77"/>
+          <p:cNvSpPr/>
+          <p:nvPr/>
+        </p:nvSpPr>
+        <p:spPr>
+          <a:xfrm>
+            <a:off x="10035860" y="2991902"/>
+            <a:ext cx="1211178" cy="490524"/>
+          </a:xfrm>
+          <a:prstGeom prst="rect">
+            <a:avLst/>
+          </a:prstGeom>
+        </p:spPr>
+        <p:style>
+          <a:lnRef idx="2">
+            <a:schemeClr val="accent6">
+              <a:shade val="50000"/>
+            </a:schemeClr>
+          </a:lnRef>
+          <a:fillRef idx="1">
+            <a:schemeClr val="accent6"/>
+          </a:fillRef>
+          <a:effectRef idx="0">
+            <a:schemeClr val="accent6"/>
+          </a:effectRef>
+          <a:fontRef idx="minor">
+            <a:schemeClr val="lt1"/>
+          </a:fontRef>
+        </p:style>
+        <p:txBody>
+          <a:bodyPr rtlCol="0" anchor="ctr"/>
+          <a:lstStyle/>
+          <a:p>
+            <a:pPr algn="ctr"/>
+            <a:endParaRPr lang="en-US"/>
+          </a:p>
+        </p:txBody>
+      </p:sp>
+      <p:sp>
+        <p:nvSpPr>
+          <p:cNvPr id="79" name="TextBox 78"/>
+          <p:cNvSpPr txBox="1"/>
+          <p:nvPr/>
+        </p:nvSpPr>
+        <p:spPr>
+          <a:xfrm>
+            <a:off x="10035860" y="3047216"/>
+            <a:ext cx="1211178" cy="369332"/>
+          </a:xfrm>
+          <a:prstGeom prst="rect">
+            <a:avLst/>
+          </a:prstGeom>
+          <a:noFill/>
+        </p:spPr>
+        <p:txBody>
+          <a:bodyPr wrap="square" rtlCol="0">
+            <a:spAutoFit/>
+          </a:bodyPr>
+          <a:lstStyle/>
+          <a:p>
+            <a:pPr algn="ctr"/>
+            <a:r>
+              <a:rPr lang="en-US" dirty="0" smtClean="0"/>
+              <a:t>0xc001</a:t>
+            </a:r>
+            <a:endParaRPr lang="en-US" dirty="0"/>
+          </a:p>
+        </p:txBody>
+      </p:sp>
+      <p:sp>
+        <p:nvSpPr>
+          <p:cNvPr id="80" name="Rectangle 79"/>
+          <p:cNvSpPr/>
+          <p:nvPr/>
+        </p:nvSpPr>
+        <p:spPr>
+          <a:xfrm>
+            <a:off x="8730917" y="3544300"/>
+            <a:ext cx="1211178" cy="490524"/>
+          </a:xfrm>
+          <a:prstGeom prst="rect">
+            <a:avLst/>
+          </a:prstGeom>
+        </p:spPr>
+        <p:style>
+          <a:lnRef idx="2">
+            <a:schemeClr val="accent6">
+              <a:shade val="50000"/>
+            </a:schemeClr>
+          </a:lnRef>
+          <a:fillRef idx="1">
+            <a:schemeClr val="accent6"/>
+          </a:fillRef>
+          <a:effectRef idx="0">
+            <a:schemeClr val="accent6"/>
+          </a:effectRef>
+          <a:fontRef idx="minor">
+            <a:schemeClr val="lt1"/>
+          </a:fontRef>
+        </p:style>
+        <p:txBody>
+          <a:bodyPr rtlCol="0" anchor="ctr"/>
+          <a:lstStyle/>
+          <a:p>
+            <a:pPr algn="ctr"/>
+            <a:endParaRPr lang="en-US"/>
+          </a:p>
+        </p:txBody>
+      </p:sp>
+      <p:sp>
+        <p:nvSpPr>
+          <p:cNvPr id="81" name="TextBox 80"/>
+          <p:cNvSpPr txBox="1"/>
+          <p:nvPr/>
+        </p:nvSpPr>
+        <p:spPr>
+          <a:xfrm>
+            <a:off x="8730917" y="3599614"/>
+            <a:ext cx="1211178" cy="369332"/>
+          </a:xfrm>
+          <a:prstGeom prst="rect">
+            <a:avLst/>
+          </a:prstGeom>
+          <a:noFill/>
+        </p:spPr>
+        <p:txBody>
+          <a:bodyPr wrap="square" rtlCol="0">
+            <a:spAutoFit/>
+          </a:bodyPr>
+          <a:lstStyle/>
+          <a:p>
+            <a:pPr algn="ctr"/>
+            <a:r>
+              <a:rPr lang="en-US" dirty="0" smtClean="0"/>
+              <a:t>timestamp</a:t>
+            </a:r>
+            <a:endParaRPr lang="en-US" dirty="0"/>
+          </a:p>
+        </p:txBody>
+      </p:sp>
+      <p:sp>
+        <p:nvSpPr>
+          <p:cNvPr id="82" name="Rectangle 81"/>
+          <p:cNvSpPr/>
+          <p:nvPr/>
+        </p:nvSpPr>
+        <p:spPr>
+          <a:xfrm>
+            <a:off x="8730917" y="3544300"/>
+            <a:ext cx="1211178" cy="490524"/>
+          </a:xfrm>
+          <a:prstGeom prst="rect">
+            <a:avLst/>
+          </a:prstGeom>
+        </p:spPr>
+        <p:style>
+          <a:lnRef idx="2">
+            <a:schemeClr val="accent6">
+              <a:shade val="50000"/>
+            </a:schemeClr>
+          </a:lnRef>
+          <a:fillRef idx="1">
+            <a:schemeClr val="accent6"/>
+          </a:fillRef>
+          <a:effectRef idx="0">
+            <a:schemeClr val="accent6"/>
+          </a:effectRef>
+          <a:fontRef idx="minor">
+            <a:schemeClr val="lt1"/>
+          </a:fontRef>
+        </p:style>
+        <p:txBody>
+          <a:bodyPr rtlCol="0" anchor="ctr"/>
+          <a:lstStyle/>
+          <a:p>
+            <a:pPr algn="ctr"/>
+            <a:endParaRPr lang="en-US"/>
+          </a:p>
+        </p:txBody>
+      </p:sp>
+      <p:sp>
+        <p:nvSpPr>
+          <p:cNvPr id="83" name="TextBox 82"/>
+          <p:cNvSpPr txBox="1"/>
+          <p:nvPr/>
+        </p:nvSpPr>
+        <p:spPr>
+          <a:xfrm>
+            <a:off x="8730917" y="3599614"/>
+            <a:ext cx="1211178" cy="369332"/>
+          </a:xfrm>
+          <a:prstGeom prst="rect">
+            <a:avLst/>
+          </a:prstGeom>
+          <a:noFill/>
+        </p:spPr>
+        <p:txBody>
+          <a:bodyPr wrap="square" rtlCol="0">
+            <a:spAutoFit/>
+          </a:bodyPr>
+          <a:lstStyle/>
+          <a:p>
+            <a:pPr algn="ctr"/>
+            <a:r>
+              <a:rPr lang="en-US" dirty="0" smtClean="0"/>
+              <a:t>energy_00</a:t>
+            </a:r>
+            <a:endParaRPr lang="en-US" dirty="0"/>
+          </a:p>
+        </p:txBody>
+      </p:sp>
+      <p:sp>
+        <p:nvSpPr>
+          <p:cNvPr id="84" name="Rectangle 83"/>
+          <p:cNvSpPr/>
+          <p:nvPr/>
+        </p:nvSpPr>
+        <p:spPr>
+          <a:xfrm>
+            <a:off x="10035860" y="3544241"/>
+            <a:ext cx="1211178" cy="490524"/>
+          </a:xfrm>
+          <a:prstGeom prst="rect">
+            <a:avLst/>
+          </a:prstGeom>
+        </p:spPr>
+        <p:style>
+          <a:lnRef idx="2">
+            <a:schemeClr val="accent6">
+              <a:shade val="50000"/>
+            </a:schemeClr>
+          </a:lnRef>
+          <a:fillRef idx="1">
+            <a:schemeClr val="accent6"/>
+          </a:fillRef>
+          <a:effectRef idx="0">
+            <a:schemeClr val="accent6"/>
+          </a:effectRef>
+          <a:fontRef idx="minor">
+            <a:schemeClr val="lt1"/>
+          </a:fontRef>
+        </p:style>
+        <p:txBody>
+          <a:bodyPr rtlCol="0" anchor="ctr"/>
+          <a:lstStyle/>
+          <a:p>
+            <a:pPr algn="ctr"/>
+            <a:endParaRPr lang="en-US"/>
+          </a:p>
+        </p:txBody>
+      </p:sp>
+      <p:sp>
+        <p:nvSpPr>
+          <p:cNvPr id="85" name="TextBox 84"/>
+          <p:cNvSpPr txBox="1"/>
+          <p:nvPr/>
+        </p:nvSpPr>
+        <p:spPr>
+          <a:xfrm>
+            <a:off x="10035860" y="3599555"/>
+            <a:ext cx="1211178" cy="369332"/>
+          </a:xfrm>
+          <a:prstGeom prst="rect">
+            <a:avLst/>
+          </a:prstGeom>
+          <a:noFill/>
+        </p:spPr>
+        <p:txBody>
+          <a:bodyPr wrap="square" rtlCol="0">
+            <a:spAutoFit/>
+          </a:bodyPr>
+          <a:lstStyle/>
+          <a:p>
+            <a:pPr algn="ctr"/>
+            <a:r>
+              <a:rPr lang="en-US" dirty="0" smtClean="0"/>
+              <a:t>energy_01</a:t>
+            </a:r>
+            <a:endParaRPr lang="en-US" dirty="0"/>
+          </a:p>
+        </p:txBody>
+      </p:sp>
+      <p:cxnSp>
+        <p:nvCxnSpPr>
+          <p:cNvPr id="86" name="Straight Arrow Connector 85"/>
+          <p:cNvCxnSpPr/>
+          <p:nvPr/>
+        </p:nvCxnSpPr>
+        <p:spPr>
+          <a:xfrm>
+            <a:off x="5140492" y="1897114"/>
+            <a:ext cx="738940" cy="0"/>
+          </a:xfrm>
+          <a:prstGeom prst="straightConnector1">
+            <a:avLst/>
+          </a:prstGeom>
+          <a:ln w="38100">
+            <a:tailEnd type="triangle"/>
+          </a:ln>
+        </p:spPr>
+        <p:style>
+          <a:lnRef idx="1">
+            <a:schemeClr val="accent1"/>
+          </a:lnRef>
+          <a:fillRef idx="0">
+            <a:schemeClr val="accent1"/>
+          </a:fillRef>
+          <a:effectRef idx="0">
+            <a:schemeClr val="accent1"/>
+          </a:effectRef>
+          <a:fontRef idx="minor">
+            <a:schemeClr val="tx1"/>
+          </a:fontRef>
+        </p:style>
+      </p:cxnSp>
+      <p:sp>
+        <p:nvSpPr>
+          <p:cNvPr id="87" name="Rectangle 86"/>
+          <p:cNvSpPr/>
+          <p:nvPr/>
+        </p:nvSpPr>
+        <p:spPr>
+          <a:xfrm>
+            <a:off x="5879432" y="1509141"/>
+            <a:ext cx="2101516" cy="805337"/>
+          </a:xfrm>
+          <a:prstGeom prst="rect">
+            <a:avLst/>
+          </a:prstGeom>
+        </p:spPr>
+        <p:style>
+          <a:lnRef idx="2">
+            <a:schemeClr val="accent1">
+              <a:shade val="50000"/>
+            </a:schemeClr>
+          </a:lnRef>
+          <a:fillRef idx="1">
+            <a:schemeClr val="accent1"/>
+          </a:fillRef>
+          <a:effectRef idx="0">
+            <a:schemeClr val="accent1"/>
+          </a:effectRef>
+          <a:fontRef idx="minor">
+            <a:schemeClr val="lt1"/>
+          </a:fontRef>
+        </p:style>
+        <p:txBody>
+          <a:bodyPr rtlCol="0" anchor="ctr"/>
+          <a:lstStyle/>
+          <a:p>
+            <a:pPr algn="ctr"/>
+            <a:endParaRPr lang="en-US" b="1"/>
+          </a:p>
+        </p:txBody>
+      </p:sp>
+      <p:sp>
+        <p:nvSpPr>
+          <p:cNvPr id="88" name="TextBox 87"/>
+          <p:cNvSpPr txBox="1"/>
+          <p:nvPr/>
+        </p:nvSpPr>
+        <p:spPr>
+          <a:xfrm>
+            <a:off x="6012030" y="1602975"/>
+            <a:ext cx="1796716" cy="646331"/>
+          </a:xfrm>
+          <a:prstGeom prst="rect">
+            <a:avLst/>
+          </a:prstGeom>
+          <a:noFill/>
+        </p:spPr>
+        <p:txBody>
+          <a:bodyPr wrap="square" rtlCol="0">
+            <a:spAutoFit/>
+          </a:bodyPr>
+          <a:lstStyle/>
+          <a:p>
+            <a:pPr algn="ctr"/>
+            <a:r>
+              <a:rPr lang="en-US" b="1" dirty="0" smtClean="0"/>
+              <a:t>Hold code</a:t>
+            </a:r>
+          </a:p>
+          <a:p>
+            <a:pPr algn="ctr"/>
+            <a:r>
+              <a:rPr lang="en-US" b="1" dirty="0" smtClean="0"/>
+              <a:t>via gate</a:t>
+            </a:r>
+          </a:p>
+        </p:txBody>
+      </p:sp>
+      <p:cxnSp>
+        <p:nvCxnSpPr>
+          <p:cNvPr id="90" name="Straight Arrow Connector 89"/>
+          <p:cNvCxnSpPr/>
+          <p:nvPr/>
+        </p:nvCxnSpPr>
+        <p:spPr>
+          <a:xfrm>
+            <a:off x="5140492" y="4855255"/>
+            <a:ext cx="738940" cy="0"/>
+          </a:xfrm>
+          <a:prstGeom prst="straightConnector1">
+            <a:avLst/>
+          </a:prstGeom>
+          <a:ln w="38100">
+            <a:solidFill>
+              <a:schemeClr val="tx1"/>
+            </a:solidFill>
+            <a:tailEnd type="triangle"/>
+          </a:ln>
+        </p:spPr>
+        <p:style>
+          <a:lnRef idx="1">
+            <a:schemeClr val="accent1"/>
+          </a:lnRef>
+          <a:fillRef idx="0">
+            <a:schemeClr val="accent1"/>
+          </a:fillRef>
+          <a:effectRef idx="0">
+            <a:schemeClr val="accent1"/>
+          </a:effectRef>
+          <a:fontRef idx="minor">
+            <a:schemeClr val="tx1"/>
+          </a:fontRef>
+        </p:style>
+      </p:cxnSp>
+      <p:sp>
+        <p:nvSpPr>
+          <p:cNvPr id="91" name="Rectangle 90"/>
+          <p:cNvSpPr/>
+          <p:nvPr/>
+        </p:nvSpPr>
+        <p:spPr>
+          <a:xfrm>
+            <a:off x="5879432" y="4467072"/>
+            <a:ext cx="2101516" cy="805337"/>
+          </a:xfrm>
+          <a:prstGeom prst="rect">
+            <a:avLst/>
+          </a:prstGeom>
+        </p:spPr>
+        <p:style>
+          <a:lnRef idx="2">
+            <a:schemeClr val="accent1">
+              <a:shade val="50000"/>
+            </a:schemeClr>
+          </a:lnRef>
+          <a:fillRef idx="1">
+            <a:schemeClr val="accent1"/>
+          </a:fillRef>
+          <a:effectRef idx="0">
+            <a:schemeClr val="accent1"/>
+          </a:effectRef>
+          <a:fontRef idx="minor">
+            <a:schemeClr val="lt1"/>
+          </a:fontRef>
+        </p:style>
+        <p:txBody>
+          <a:bodyPr rtlCol="0" anchor="ctr"/>
+          <a:lstStyle/>
+          <a:p>
+            <a:pPr algn="ctr"/>
+            <a:endParaRPr lang="en-US" b="1"/>
+          </a:p>
+        </p:txBody>
+      </p:sp>
+      <p:sp>
+        <p:nvSpPr>
+          <p:cNvPr id="92" name="TextBox 91"/>
+          <p:cNvSpPr txBox="1"/>
+          <p:nvPr/>
+        </p:nvSpPr>
+        <p:spPr>
+          <a:xfrm>
+            <a:off x="6012030" y="4560906"/>
+            <a:ext cx="1796716" cy="646331"/>
+          </a:xfrm>
+          <a:prstGeom prst="rect">
+            <a:avLst/>
+          </a:prstGeom>
+          <a:noFill/>
+        </p:spPr>
+        <p:txBody>
+          <a:bodyPr wrap="square" rtlCol="0">
+            <a:spAutoFit/>
+          </a:bodyPr>
+          <a:lstStyle/>
+          <a:p>
+            <a:pPr algn="ctr"/>
+            <a:r>
+              <a:rPr lang="en-US" b="1" dirty="0" smtClean="0"/>
+              <a:t>Hold timestamp</a:t>
+            </a:r>
+          </a:p>
+          <a:p>
+            <a:pPr algn="ctr"/>
+            <a:r>
+              <a:rPr lang="en-US" b="1" dirty="0" smtClean="0"/>
+              <a:t>in FIFO</a:t>
+            </a:r>
+          </a:p>
+        </p:txBody>
+      </p:sp>
+      <p:cxnSp>
+        <p:nvCxnSpPr>
+          <p:cNvPr id="105" name="Elbow Connector 104"/>
+          <p:cNvCxnSpPr>
+            <a:stCxn id="87" idx="3"/>
+            <a:endCxn id="52" idx="1"/>
+          </p:cNvCxnSpPr>
+          <p:nvPr/>
+        </p:nvCxnSpPr>
+        <p:spPr>
+          <a:xfrm>
+            <a:off x="7980948" y="1911810"/>
+            <a:ext cx="749968" cy="769252"/>
+          </a:xfrm>
+          <a:prstGeom prst="bentConnector3">
+            <a:avLst/>
+          </a:prstGeom>
+          <a:ln w="38100">
+            <a:solidFill>
+              <a:schemeClr val="tx1"/>
+            </a:solidFill>
+            <a:tailEnd type="triangle"/>
+          </a:ln>
+        </p:spPr>
+        <p:style>
+          <a:lnRef idx="1">
+            <a:schemeClr val="accent1"/>
+          </a:lnRef>
+          <a:fillRef idx="0">
+            <a:schemeClr val="accent1"/>
+          </a:fillRef>
+          <a:effectRef idx="0">
+            <a:schemeClr val="accent1"/>
+          </a:effectRef>
+          <a:fontRef idx="minor">
+            <a:schemeClr val="tx1"/>
+          </a:fontRef>
+        </p:style>
+      </p:cxnSp>
+      <p:cxnSp>
+        <p:nvCxnSpPr>
+          <p:cNvPr id="107" name="Elbow Connector 106"/>
+          <p:cNvCxnSpPr>
+            <a:endCxn id="82" idx="1"/>
+          </p:cNvCxnSpPr>
+          <p:nvPr/>
+        </p:nvCxnSpPr>
+        <p:spPr>
+          <a:xfrm>
+            <a:off x="5153526" y="2496396"/>
+            <a:ext cx="3577391" cy="1293166"/>
+          </a:xfrm>
+          <a:prstGeom prst="bentConnector3">
+            <a:avLst>
+              <a:gd name="adj1" fmla="val 54260"/>
+            </a:avLst>
+          </a:prstGeom>
+          <a:ln w="38100">
+            <a:solidFill>
+              <a:schemeClr val="tx1"/>
+            </a:solidFill>
+            <a:tailEnd type="triangle"/>
+          </a:ln>
+        </p:spPr>
+        <p:style>
+          <a:lnRef idx="1">
+            <a:schemeClr val="accent1"/>
+          </a:lnRef>
+          <a:fillRef idx="0">
+            <a:schemeClr val="accent1"/>
+          </a:fillRef>
+          <a:effectRef idx="0">
+            <a:schemeClr val="accent1"/>
+          </a:effectRef>
+          <a:fontRef idx="minor">
+            <a:schemeClr val="tx1"/>
+          </a:fontRef>
+        </p:style>
+      </p:cxnSp>
+      <p:cxnSp>
+        <p:nvCxnSpPr>
+          <p:cNvPr id="111" name="Elbow Connector 110"/>
+          <p:cNvCxnSpPr/>
+          <p:nvPr/>
+        </p:nvCxnSpPr>
+        <p:spPr>
+          <a:xfrm>
+            <a:off x="5153526" y="3380050"/>
+            <a:ext cx="2115071" cy="975369"/>
+          </a:xfrm>
+          <a:prstGeom prst="bentConnector3">
+            <a:avLst/>
+          </a:prstGeom>
+          <a:ln w="38100">
+            <a:solidFill>
+              <a:schemeClr val="tx1"/>
+            </a:solidFill>
+          </a:ln>
+        </p:spPr>
+        <p:style>
+          <a:lnRef idx="1">
+            <a:schemeClr val="accent1"/>
+          </a:lnRef>
+          <a:fillRef idx="0">
+            <a:schemeClr val="accent1"/>
+          </a:fillRef>
+          <a:effectRef idx="0">
+            <a:schemeClr val="accent1"/>
+          </a:effectRef>
+          <a:fontRef idx="minor">
+            <a:schemeClr val="tx1"/>
+          </a:fontRef>
+        </p:style>
+      </p:cxnSp>
+      <p:cxnSp>
+        <p:nvCxnSpPr>
+          <p:cNvPr id="113" name="Elbow Connector 112"/>
+          <p:cNvCxnSpPr>
+            <a:endCxn id="84" idx="2"/>
+          </p:cNvCxnSpPr>
+          <p:nvPr/>
+        </p:nvCxnSpPr>
+        <p:spPr>
+          <a:xfrm flipV="1">
+            <a:off x="7268597" y="4034765"/>
+            <a:ext cx="3372852" cy="320654"/>
+          </a:xfrm>
+          <a:prstGeom prst="bentConnector2">
+            <a:avLst/>
+          </a:prstGeom>
+          <a:ln w="38100">
+            <a:solidFill>
+              <a:schemeClr val="tx1"/>
+            </a:solidFill>
+            <a:tailEnd type="triangle"/>
+          </a:ln>
+        </p:spPr>
+        <p:style>
+          <a:lnRef idx="1">
+            <a:schemeClr val="accent1"/>
+          </a:lnRef>
+          <a:fillRef idx="0">
+            <a:schemeClr val="accent1"/>
+          </a:fillRef>
+          <a:effectRef idx="0">
+            <a:schemeClr val="accent1"/>
+          </a:effectRef>
+          <a:fontRef idx="minor">
+            <a:schemeClr val="tx1"/>
+          </a:fontRef>
+        </p:style>
+      </p:cxnSp>
+      <p:cxnSp>
+        <p:nvCxnSpPr>
+          <p:cNvPr id="115" name="Elbow Connector 114"/>
+          <p:cNvCxnSpPr>
+            <a:stCxn id="91" idx="3"/>
+            <a:endCxn id="73" idx="1"/>
+          </p:cNvCxnSpPr>
+          <p:nvPr/>
+        </p:nvCxnSpPr>
+        <p:spPr>
+          <a:xfrm flipV="1">
+            <a:off x="7980948" y="3231941"/>
+            <a:ext cx="749969" cy="1637800"/>
+          </a:xfrm>
+          <a:prstGeom prst="bentConnector3">
+            <a:avLst/>
+          </a:prstGeom>
+          <a:ln w="38100">
+            <a:solidFill>
+              <a:schemeClr val="tx1"/>
+            </a:solidFill>
+            <a:tailEnd type="triangle"/>
+          </a:ln>
+        </p:spPr>
+        <p:style>
+          <a:lnRef idx="1">
+            <a:schemeClr val="accent1"/>
+          </a:lnRef>
+          <a:fillRef idx="0">
+            <a:schemeClr val="accent1"/>
+          </a:fillRef>
+          <a:effectRef idx="0">
+            <a:schemeClr val="accent1"/>
+          </a:effectRef>
+          <a:fontRef idx="minor">
+            <a:schemeClr val="tx1"/>
+          </a:fontRef>
+        </p:style>
+      </p:cxnSp>
+      <p:sp>
+        <p:nvSpPr>
+          <p:cNvPr id="122" name="Rectangle 121"/>
+          <p:cNvSpPr/>
+          <p:nvPr/>
+        </p:nvSpPr>
+        <p:spPr>
+          <a:xfrm>
+            <a:off x="5872915" y="2616917"/>
+            <a:ext cx="799051" cy="604756"/>
+          </a:xfrm>
+          <a:prstGeom prst="rect">
+            <a:avLst/>
+          </a:prstGeom>
+          <a:solidFill>
+            <a:schemeClr val="accent6">
+              <a:lumMod val="20000"/>
+              <a:lumOff val="80000"/>
+            </a:schemeClr>
+          </a:solidFill>
+        </p:spPr>
+        <p:style>
+          <a:lnRef idx="2">
+            <a:schemeClr val="accent1">
+              <a:shade val="50000"/>
+            </a:schemeClr>
+          </a:lnRef>
+          <a:fillRef idx="1">
+            <a:schemeClr val="accent1"/>
+          </a:fillRef>
+          <a:effectRef idx="0">
+            <a:schemeClr val="accent1"/>
+          </a:effectRef>
+          <a:fontRef idx="minor">
+            <a:schemeClr val="lt1"/>
+          </a:fontRef>
+        </p:style>
+        <p:txBody>
+          <a:bodyPr rtlCol="0" anchor="ctr"/>
+          <a:lstStyle/>
+          <a:p>
+            <a:pPr algn="ctr"/>
+            <a:endParaRPr lang="en-US" b="1"/>
+          </a:p>
+        </p:txBody>
+      </p:sp>
+      <p:sp>
+        <p:nvSpPr>
+          <p:cNvPr id="123" name="TextBox 122"/>
+          <p:cNvSpPr txBox="1"/>
+          <p:nvPr/>
+        </p:nvSpPr>
+        <p:spPr>
+          <a:xfrm>
+            <a:off x="5887962" y="2735093"/>
+            <a:ext cx="796573" cy="369332"/>
+          </a:xfrm>
+          <a:prstGeom prst="rect">
+            <a:avLst/>
+          </a:prstGeom>
+          <a:noFill/>
+        </p:spPr>
+        <p:txBody>
+          <a:bodyPr wrap="square" rtlCol="0">
+            <a:spAutoFit/>
+          </a:bodyPr>
+          <a:lstStyle/>
+          <a:p>
+            <a:pPr algn="ctr"/>
+            <a:r>
+              <a:rPr lang="en-US" b="1" dirty="0" smtClean="0"/>
+              <a:t>AND</a:t>
+            </a:r>
+            <a:endParaRPr lang="en-US" b="1" dirty="0"/>
+          </a:p>
+        </p:txBody>
+      </p:sp>
+      <p:cxnSp>
+        <p:nvCxnSpPr>
+          <p:cNvPr id="125" name="Straight Arrow Connector 124"/>
+          <p:cNvCxnSpPr/>
+          <p:nvPr/>
+        </p:nvCxnSpPr>
+        <p:spPr>
+          <a:xfrm>
+            <a:off x="5096371" y="2798457"/>
+            <a:ext cx="802615" cy="96"/>
+          </a:xfrm>
+          <a:prstGeom prst="straightConnector1">
+            <a:avLst/>
+          </a:prstGeom>
+          <a:ln w="38100">
+            <a:tailEnd type="triangle"/>
+          </a:ln>
+        </p:spPr>
+        <p:style>
+          <a:lnRef idx="1">
+            <a:schemeClr val="accent1"/>
+          </a:lnRef>
+          <a:fillRef idx="0">
+            <a:schemeClr val="accent1"/>
+          </a:fillRef>
+          <a:effectRef idx="0">
+            <a:schemeClr val="accent1"/>
+          </a:effectRef>
+          <a:fontRef idx="minor">
+            <a:schemeClr val="tx1"/>
+          </a:fontRef>
+        </p:style>
+      </p:cxnSp>
+      <p:cxnSp>
+        <p:nvCxnSpPr>
+          <p:cNvPr id="131" name="Elbow Connector 130"/>
+          <p:cNvCxnSpPr>
+            <a:stCxn id="29" idx="3"/>
+          </p:cNvCxnSpPr>
+          <p:nvPr/>
+        </p:nvCxnSpPr>
+        <p:spPr>
+          <a:xfrm flipV="1">
+            <a:off x="5153526" y="3047216"/>
+            <a:ext cx="725906" cy="601689"/>
+          </a:xfrm>
+          <a:prstGeom prst="bentConnector3">
+            <a:avLst/>
+          </a:prstGeom>
+          <a:ln w="38100">
+            <a:tailEnd type="triangle"/>
+          </a:ln>
+        </p:spPr>
+        <p:style>
+          <a:lnRef idx="1">
+            <a:schemeClr val="accent1"/>
+          </a:lnRef>
+          <a:fillRef idx="0">
+            <a:schemeClr val="accent1"/>
+          </a:fillRef>
+          <a:effectRef idx="0">
+            <a:schemeClr val="accent1"/>
+          </a:effectRef>
+          <a:fontRef idx="minor">
+            <a:schemeClr val="tx1"/>
+          </a:fontRef>
+        </p:style>
+      </p:cxnSp>
+      <p:sp>
+        <p:nvSpPr>
+          <p:cNvPr id="132" name="TextBox 131"/>
+          <p:cNvSpPr txBox="1"/>
+          <p:nvPr/>
+        </p:nvSpPr>
+        <p:spPr>
+          <a:xfrm>
+            <a:off x="5172575" y="2186650"/>
+            <a:ext cx="766012" cy="369332"/>
+          </a:xfrm>
+          <a:prstGeom prst="rect">
+            <a:avLst/>
+          </a:prstGeom>
+          <a:noFill/>
+        </p:spPr>
+        <p:txBody>
+          <a:bodyPr wrap="square" rtlCol="0">
+            <a:spAutoFit/>
+          </a:bodyPr>
+          <a:lstStyle/>
+          <a:p>
+            <a:r>
+              <a:rPr lang="en-US" b="1" dirty="0" smtClean="0"/>
+              <a:t>data</a:t>
+            </a:r>
+            <a:endParaRPr lang="en-US" b="1" dirty="0"/>
+          </a:p>
+        </p:txBody>
+      </p:sp>
+      <p:sp>
+        <p:nvSpPr>
+          <p:cNvPr id="133" name="TextBox 132"/>
+          <p:cNvSpPr txBox="1"/>
+          <p:nvPr/>
+        </p:nvSpPr>
+        <p:spPr>
+          <a:xfrm>
+            <a:off x="5167817" y="2502435"/>
+            <a:ext cx="766012" cy="369332"/>
+          </a:xfrm>
+          <a:prstGeom prst="rect">
+            <a:avLst/>
+          </a:prstGeom>
+          <a:noFill/>
+        </p:spPr>
+        <p:txBody>
+          <a:bodyPr wrap="square" rtlCol="0">
+            <a:spAutoFit/>
+          </a:bodyPr>
+          <a:lstStyle/>
+          <a:p>
+            <a:r>
+              <a:rPr lang="en-US" b="1" dirty="0" smtClean="0">
+                <a:solidFill>
+                  <a:schemeClr val="accent1"/>
+                </a:solidFill>
+              </a:rPr>
+              <a:t>ready</a:t>
+            </a:r>
+            <a:endParaRPr lang="en-US" b="1" dirty="0">
+              <a:solidFill>
+                <a:schemeClr val="accent1"/>
+              </a:solidFill>
+            </a:endParaRPr>
+          </a:p>
+        </p:txBody>
+      </p:sp>
+      <p:cxnSp>
+        <p:nvCxnSpPr>
+          <p:cNvPr id="136" name="Elbow Connector 135"/>
+          <p:cNvCxnSpPr>
+            <a:stCxn id="4" idx="0"/>
+            <a:endCxn id="53" idx="1"/>
+          </p:cNvCxnSpPr>
+          <p:nvPr/>
+        </p:nvCxnSpPr>
+        <p:spPr>
+          <a:xfrm rot="5400000" flipH="1" flipV="1">
+            <a:off x="1701841" y="2044786"/>
+            <a:ext cx="1476627" cy="1210677"/>
+          </a:xfrm>
+          <a:prstGeom prst="bentConnector2">
+            <a:avLst/>
+          </a:prstGeom>
+          <a:ln w="38100">
+            <a:tailEnd type="triangle"/>
+          </a:ln>
+        </p:spPr>
+        <p:style>
+          <a:lnRef idx="1">
+            <a:schemeClr val="accent1"/>
+          </a:lnRef>
+          <a:fillRef idx="0">
+            <a:schemeClr val="accent1"/>
+          </a:fillRef>
+          <a:effectRef idx="0">
+            <a:schemeClr val="accent1"/>
+          </a:effectRef>
+          <a:fontRef idx="minor">
+            <a:schemeClr val="tx1"/>
+          </a:fontRef>
+        </p:style>
+      </p:cxnSp>
+      <p:cxnSp>
+        <p:nvCxnSpPr>
+          <p:cNvPr id="138" name="Elbow Connector 137"/>
+          <p:cNvCxnSpPr>
+            <a:stCxn id="4" idx="2"/>
+            <a:endCxn id="19" idx="1"/>
+          </p:cNvCxnSpPr>
+          <p:nvPr/>
+        </p:nvCxnSpPr>
+        <p:spPr>
+          <a:xfrm rot="16200000" flipH="1">
+            <a:off x="1948462" y="3766193"/>
+            <a:ext cx="989902" cy="1217194"/>
+          </a:xfrm>
+          <a:prstGeom prst="bentConnector2">
+            <a:avLst/>
+          </a:prstGeom>
+          <a:ln w="38100">
+            <a:tailEnd type="triangle"/>
+          </a:ln>
+        </p:spPr>
+        <p:style>
+          <a:lnRef idx="1">
+            <a:schemeClr val="accent1"/>
+          </a:lnRef>
+          <a:fillRef idx="0">
+            <a:schemeClr val="accent1"/>
+          </a:fillRef>
+          <a:effectRef idx="0">
+            <a:schemeClr val="accent1"/>
+          </a:effectRef>
+          <a:fontRef idx="minor">
+            <a:schemeClr val="tx1"/>
+          </a:fontRef>
+        </p:style>
+      </p:cxnSp>
+      <p:cxnSp>
+        <p:nvCxnSpPr>
+          <p:cNvPr id="140" name="Elbow Connector 139"/>
+          <p:cNvCxnSpPr>
+            <a:stCxn id="123" idx="3"/>
+            <a:endCxn id="91" idx="0"/>
+          </p:cNvCxnSpPr>
+          <p:nvPr/>
+        </p:nvCxnSpPr>
+        <p:spPr>
+          <a:xfrm>
+            <a:off x="6684535" y="2919759"/>
+            <a:ext cx="245655" cy="1547313"/>
+          </a:xfrm>
+          <a:prstGeom prst="bentConnector2">
+            <a:avLst/>
+          </a:prstGeom>
+          <a:ln w="38100">
+            <a:tailEnd type="triangle"/>
+          </a:ln>
+        </p:spPr>
+        <p:style>
+          <a:lnRef idx="1">
+            <a:schemeClr val="accent1"/>
+          </a:lnRef>
+          <a:fillRef idx="0">
+            <a:schemeClr val="accent1"/>
+          </a:fillRef>
+          <a:effectRef idx="0">
+            <a:schemeClr val="accent1"/>
+          </a:effectRef>
+          <a:fontRef idx="minor">
+            <a:schemeClr val="tx1"/>
+          </a:fontRef>
+        </p:style>
+      </p:cxnSp>
+      <p:cxnSp>
+        <p:nvCxnSpPr>
+          <p:cNvPr id="143" name="Straight Arrow Connector 142"/>
+          <p:cNvCxnSpPr/>
+          <p:nvPr/>
+        </p:nvCxnSpPr>
+        <p:spPr>
+          <a:xfrm flipV="1">
+            <a:off x="6746447" y="2906324"/>
+            <a:ext cx="1854628" cy="13435"/>
+          </a:xfrm>
+          <a:prstGeom prst="straightConnector1">
+            <a:avLst/>
+          </a:prstGeom>
+          <a:ln w="38100">
+            <a:tailEnd type="triangle"/>
+          </a:ln>
+        </p:spPr>
+        <p:style>
+          <a:lnRef idx="1">
+            <a:schemeClr val="accent1"/>
+          </a:lnRef>
+          <a:fillRef idx="0">
+            <a:schemeClr val="accent1"/>
+          </a:fillRef>
+          <a:effectRef idx="0">
+            <a:schemeClr val="accent1"/>
+          </a:effectRef>
+          <a:fontRef idx="minor">
+            <a:schemeClr val="tx1"/>
+          </a:fontRef>
+        </p:style>
+      </p:cxnSp>
+      <p:sp>
+        <p:nvSpPr>
+          <p:cNvPr id="150" name="Rounded Rectangle 149"/>
+          <p:cNvSpPr/>
+          <p:nvPr/>
+        </p:nvSpPr>
+        <p:spPr>
+          <a:xfrm>
+            <a:off x="8981843" y="5815437"/>
+            <a:ext cx="2108033" cy="821782"/>
+          </a:xfrm>
+          <a:prstGeom prst="roundRect">
+            <a:avLst/>
+          </a:prstGeom>
+          <a:solidFill>
+            <a:schemeClr val="accent2">
+              <a:lumMod val="20000"/>
+              <a:lumOff val="80000"/>
+            </a:schemeClr>
+          </a:solidFill>
+        </p:spPr>
+        <p:style>
+          <a:lnRef idx="2">
+            <a:schemeClr val="accent1">
+              <a:shade val="50000"/>
+            </a:schemeClr>
+          </a:lnRef>
+          <a:fillRef idx="1">
+            <a:schemeClr val="accent1"/>
+          </a:fillRef>
+          <a:effectRef idx="0">
+            <a:schemeClr val="accent1"/>
+          </a:effectRef>
+          <a:fontRef idx="minor">
+            <a:schemeClr val="lt1"/>
+          </a:fontRef>
+        </p:style>
+        <p:txBody>
+          <a:bodyPr rtlCol="0" anchor="ctr"/>
+          <a:lstStyle/>
+          <a:p>
+            <a:pPr algn="ctr"/>
+            <a:endParaRPr lang="en-US"/>
+          </a:p>
+        </p:txBody>
+      </p:sp>
+      <p:sp>
+        <p:nvSpPr>
+          <p:cNvPr id="151" name="TextBox 150"/>
+          <p:cNvSpPr txBox="1"/>
+          <p:nvPr/>
+        </p:nvSpPr>
+        <p:spPr>
+          <a:xfrm>
+            <a:off x="8981843" y="5760986"/>
+            <a:ext cx="2108033" cy="923330"/>
+          </a:xfrm>
+          <a:prstGeom prst="rect">
+            <a:avLst/>
+          </a:prstGeom>
+          <a:noFill/>
+        </p:spPr>
+        <p:txBody>
+          <a:bodyPr wrap="square" rtlCol="0">
+            <a:spAutoFit/>
+          </a:bodyPr>
+          <a:lstStyle/>
+          <a:p>
+            <a:pPr algn="ctr"/>
+            <a:r>
+              <a:rPr lang="en-US" b="1" dirty="0" smtClean="0"/>
+              <a:t>Linux program reads &amp; stores packet data</a:t>
+            </a:r>
+            <a:endParaRPr lang="en-US" b="1" dirty="0"/>
+          </a:p>
+        </p:txBody>
+      </p:sp>
+      <p:cxnSp>
+        <p:nvCxnSpPr>
+          <p:cNvPr id="153" name="Elbow Connector 152"/>
+          <p:cNvCxnSpPr>
+            <a:endCxn id="150" idx="0"/>
+          </p:cNvCxnSpPr>
+          <p:nvPr/>
+        </p:nvCxnSpPr>
+        <p:spPr>
+          <a:xfrm rot="5400000">
+            <a:off x="9722301" y="4447856"/>
+            <a:ext cx="1681140" cy="1054022"/>
+          </a:xfrm>
+          <a:prstGeom prst="bentConnector3">
+            <a:avLst/>
+          </a:prstGeom>
+          <a:ln w="38100">
+            <a:solidFill>
+              <a:schemeClr val="tx1"/>
+            </a:solidFill>
+            <a:tailEnd type="triangle"/>
+          </a:ln>
+        </p:spPr>
+        <p:style>
+          <a:lnRef idx="1">
+            <a:schemeClr val="accent1"/>
+          </a:lnRef>
+          <a:fillRef idx="0">
+            <a:schemeClr val="accent1"/>
+          </a:fillRef>
+          <a:effectRef idx="0">
+            <a:schemeClr val="accent1"/>
+          </a:effectRef>
+          <a:fontRef idx="minor">
+            <a:schemeClr val="tx1"/>
+          </a:fontRef>
+        </p:style>
+      </p:cxnSp>
+      <p:sp>
+        <p:nvSpPr>
+          <p:cNvPr id="60" name="TextBox 59"/>
+          <p:cNvSpPr txBox="1"/>
+          <p:nvPr/>
+        </p:nvSpPr>
+        <p:spPr>
+          <a:xfrm>
+            <a:off x="6883878" y="3764407"/>
+            <a:ext cx="1683193" cy="646331"/>
+          </a:xfrm>
+          <a:prstGeom prst="rect">
+            <a:avLst/>
+          </a:prstGeom>
+          <a:noFill/>
+        </p:spPr>
+        <p:txBody>
+          <a:bodyPr wrap="square" rtlCol="0">
+            <a:spAutoFit/>
+          </a:bodyPr>
+          <a:lstStyle/>
+          <a:p>
+            <a:r>
+              <a:rPr lang="en-US" b="1" dirty="0" smtClean="0">
+                <a:solidFill>
+                  <a:schemeClr val="accent1"/>
+                </a:solidFill>
+              </a:rPr>
+              <a:t>Tell FIFO to send</a:t>
+            </a:r>
+            <a:endParaRPr lang="en-US" b="1" dirty="0">
+              <a:solidFill>
+                <a:schemeClr val="accent1"/>
+              </a:solidFill>
+            </a:endParaRPr>
+          </a:p>
+        </p:txBody>
+      </p:sp>
+    </p:spTree>
+    <p:extLst>
+      <p:ext uri="{BB962C8B-B14F-4D97-AF65-F5344CB8AC3E}">
+        <p14:creationId xmlns:p14="http://schemas.microsoft.com/office/powerpoint/2010/main" val="3009124647"/>
+      </p:ext>
+    </p:extLst>
+  </p:cSld>
+  <p:clrMapOvr>
+    <a:masterClrMapping/>
+  </p:clrMapOvr>
+</p:sld>
+</file>
+
+<file path=ppt/slides/slide13.xml><?xml version="1.0" encoding="utf-8"?>
+<p:sld xmlns:a="http://schemas.openxmlformats.org/drawingml/2006/main" xmlns:r="http://schemas.openxmlformats.org/officeDocument/2006/relationships" xmlns:p="http://schemas.openxmlformats.org/presentationml/2006/main">
+  <p:cSld>
+    <p:spTree>
+      <p:nvGrpSpPr>
+        <p:cNvPr id="1" name=""/>
+        <p:cNvGrpSpPr/>
+        <p:nvPr/>
+      </p:nvGrpSpPr>
+      <p:grpSpPr>
+        <a:xfrm>
+          <a:off x="0" y="0"/>
+          <a:ext cx="0" cy="0"/>
+          <a:chOff x="0" y="0"/>
+          <a:chExt cx="0" cy="0"/>
+        </a:xfrm>
+      </p:grpSpPr>
       <p:pic>
         <p:nvPicPr>
           <p:cNvPr id="7" name="Picture 6"/>
@@ -6333,7 +6535,7 @@
 </p:sld>
 </file>
 
-<file path=ppt/slides/slide12.xml><?xml version="1.0" encoding="utf-8"?>
+<file path=ppt/slides/slide14.xml><?xml version="1.0" encoding="utf-8"?>
 <p:sld xmlns:a="http://schemas.openxmlformats.org/drawingml/2006/main" xmlns:r="http://schemas.openxmlformats.org/officeDocument/2006/relationships" xmlns:p="http://schemas.openxmlformats.org/presentationml/2006/main">
   <p:cSld>
     <p:spTree>
@@ -6435,7 +6637,7 @@
 </p:sld>
 </file>
 
-<file path=ppt/slides/slide13.xml><?xml version="1.0" encoding="utf-8"?>
+<file path=ppt/slides/slide15.xml><?xml version="1.0" encoding="utf-8"?>
 <p:sld xmlns:a="http://schemas.openxmlformats.org/drawingml/2006/main" xmlns:r="http://schemas.openxmlformats.org/officeDocument/2006/relationships" xmlns:p="http://schemas.openxmlformats.org/presentationml/2006/main">
   <p:cSld>
     <p:spTree>
@@ -10998,10 +11200,17 @@
           <a:lstStyle/>
           <a:p>
             <a:r>
+              <a:rPr lang="en-US" dirty="0"/>
+              <a:t>Improvements </a:t>
+            </a:r>
+            <a:r>
               <a:rPr lang="en-US" dirty="0" smtClean="0"/>
-              <a:t>Current Issues &amp; To-Do</a:t>
-            </a:r>
-            <a:endParaRPr lang="en-US" dirty="0"/>
+              <a:t>Since </a:t>
+            </a:r>
+            <a:r>
+              <a:rPr lang="en-US" dirty="0"/>
+              <a:t>Visit</a:t>
+            </a:r>
           </a:p>
         </p:txBody>
       </p:sp>
@@ -11015,92 +11224,69 @@
             <p:ph idx="1"/>
           </p:nvPr>
         </p:nvSpPr>
-        <p:spPr>
-          <a:xfrm>
-            <a:off x="838200" y="1825625"/>
-            <a:ext cx="10515600" cy="4920080"/>
-          </a:xfrm>
-        </p:spPr>
-        <p:txBody>
-          <a:bodyPr>
-            <a:normAutofit/>
-          </a:bodyPr>
+        <p:spPr/>
+        <p:txBody>
+          <a:bodyPr/>
           <a:lstStyle/>
           <a:p>
             <a:r>
               <a:rPr lang="en-US" dirty="0" smtClean="0"/>
-              <a:t>Timestamps are mostly similar, sometimes with a differenc</a:t>
-            </a:r>
+              <a:t>Data saved by DAQ now has timestamps largely accurate to what was sent</a:t>
+            </a:r>
+          </a:p>
+          <a:p>
+            <a:pPr lvl="1"/>
             <a:r>
               <a:rPr lang="en-US" dirty="0" smtClean="0"/>
-              <a:t>e of 1, but</a:t>
-            </a:r>
-          </a:p>
-          <a:p>
+              <a:t>Order is correct</a:t>
+            </a:r>
+          </a:p>
+          <a:p>
+            <a:pPr lvl="1"/>
             <a:r>
               <a:rPr lang="en-US" dirty="0" smtClean="0"/>
-              <a:t>Many timestamps are lost or sent multiple times</a:t>
-            </a:r>
-            <a:endParaRPr lang="en-US" dirty="0" smtClean="0"/>
-          </a:p>
-          <a:p>
+              <a:t>Values are not repeated</a:t>
+            </a:r>
+          </a:p>
+          <a:p>
+            <a:pPr lvl="1"/>
             <a:r>
               <a:rPr lang="en-US" dirty="0" smtClean="0"/>
-              <a:t>Need to do more dev of the code that will zip the two datasets </a:t>
-            </a:r>
+              <a:t>Some values dropped – pileup, and see next slide</a:t>
+            </a:r>
+          </a:p>
+          <a:p>
             <a:r>
               <a:rPr lang="en-US" dirty="0" smtClean="0"/>
-              <a:t>together</a:t>
+              <a:t>Work has been ported from CAEN 1260 to CAEN 5560</a:t>
+            </a:r>
+          </a:p>
+          <a:p>
+            <a:r>
+              <a:rPr lang="en-US" dirty="0" smtClean="0"/>
+              <a:t>Experimental baseline adjustment</a:t>
             </a:r>
           </a:p>
           <a:p>
             <a:pPr lvl="1"/>
             <a:r>
               <a:rPr lang="en-US" dirty="0" smtClean="0"/>
-              <a:t>It exists but it requires a lot of manual input or deletes too much data</a:t>
-            </a:r>
-            <a:endParaRPr lang="en-US" dirty="0" smtClean="0"/>
-          </a:p>
-          <a:p>
+              <a:t>Reduce need for recalibration</a:t>
+            </a:r>
+          </a:p>
+          <a:p>
+            <a:pPr lvl="1"/>
             <a:r>
               <a:rPr lang="en-US" dirty="0" smtClean="0"/>
-              <a:t>Reduce time spent running the two programs non-simultaneously</a:t>
-            </a:r>
-          </a:p>
-          <a:p>
-            <a:pPr lvl="1"/>
-            <a:r>
-              <a:rPr lang="en-US" dirty="0" smtClean="0"/>
-              <a:t>Results in “dead events” that can’t be </a:t>
-            </a:r>
-            <a:r>
-              <a:rPr lang="en-US" dirty="0" smtClean="0"/>
-              <a:t>aligned and complicate the alignment algorithm</a:t>
-            </a:r>
-            <a:endParaRPr lang="en-US" dirty="0" smtClean="0"/>
-          </a:p>
-          <a:p>
-            <a:r>
-              <a:rPr lang="en-US" dirty="0" smtClean="0"/>
-              <a:t>Adjust packet retrieval program for continuous running</a:t>
-            </a:r>
-          </a:p>
-          <a:p>
-            <a:pPr lvl="1"/>
-            <a:r>
-              <a:rPr lang="en-US" dirty="0" smtClean="0"/>
-              <a:t>Interruption does not cause graceful exit, kills 1 or more packets</a:t>
-            </a:r>
-          </a:p>
-          <a:p>
-            <a:endParaRPr lang="en-US" dirty="0"/>
+              <a:t>Improve accuracy of pulse integration</a:t>
+            </a:r>
           </a:p>
         </p:txBody>
       </p:sp>
     </p:spTree>
     <p:extLst>
       <p:ext uri="{BB962C8B-B14F-4D97-AF65-F5344CB8AC3E}">
-        <p14:creationId xmlns:p14="http://schemas.microsoft.com/office/powerpoint/2010/main" val="1203480084"/>
+        <p14:creationId xmlns:p14="http://schemas.microsoft.com/office/powerpoint/2010/main" val="3650849982"/>
       </p:ext>
     </p:extLst>
   </p:cSld>
@@ -11144,7 +11330,11 @@
           <a:p>
             <a:r>
               <a:rPr lang="en-US" dirty="0" smtClean="0"/>
-              <a:t>Backup Slides</a:t>
+              <a:t>Current </a:t>
+            </a:r>
+            <a:r>
+              <a:rPr lang="en-US" dirty="0" smtClean="0"/>
+              <a:t>Issues</a:t>
             </a:r>
             <a:endParaRPr lang="en-US" dirty="0"/>
           </a:p>
@@ -11152,40 +11342,99 @@
       </p:sp>
       <p:sp>
         <p:nvSpPr>
-          <p:cNvPr id="3" name="Text Placeholder 2"/>
+          <p:cNvPr id="3" name="Content Placeholder 2"/>
           <p:cNvSpPr>
             <a:spLocks noGrp="1"/>
           </p:cNvSpPr>
           <p:nvPr>
-            <p:ph type="body" idx="1"/>
+            <p:ph idx="1"/>
           </p:nvPr>
         </p:nvSpPr>
-        <p:spPr/>
-        <p:txBody>
-          <a:bodyPr/>
-          <a:lstStyle/>
-          <a:p>
-            <a:endParaRPr lang="en-US"/>
+        <p:spPr>
+          <a:xfrm>
+            <a:off x="838200" y="1825625"/>
+            <a:ext cx="10515600" cy="4920080"/>
+          </a:xfrm>
+        </p:spPr>
+        <p:txBody>
+          <a:bodyPr>
+            <a:normAutofit/>
+          </a:bodyPr>
+          <a:lstStyle/>
+          <a:p>
+            <a:r>
+              <a:rPr lang="en-US" dirty="0" smtClean="0"/>
+              <a:t>Timestamps are </a:t>
+            </a:r>
+            <a:r>
+              <a:rPr lang="en-US" i="1" dirty="0" smtClean="0"/>
+              <a:t>mostly </a:t>
+            </a:r>
+            <a:r>
+              <a:rPr lang="en-US" dirty="0" smtClean="0"/>
+              <a:t>similar, sometimes with a difference of </a:t>
+            </a:r>
+            <a:r>
+              <a:rPr lang="en-US" dirty="0" smtClean="0"/>
+              <a:t>1-2</a:t>
+            </a:r>
+          </a:p>
+          <a:p>
+            <a:pPr lvl="1"/>
+            <a:r>
+              <a:rPr lang="en-US" dirty="0" smtClean="0"/>
+              <a:t>Still true? Or resolved alongside other issues?</a:t>
+            </a:r>
+            <a:endParaRPr lang="en-US" dirty="0" smtClean="0"/>
+          </a:p>
+          <a:p>
+            <a:r>
+              <a:rPr lang="en-US" b="1" dirty="0" smtClean="0"/>
+              <a:t>If we send more than 24 timestamps at once, we lose some data at the end</a:t>
+            </a:r>
+            <a:endParaRPr lang="en-US" b="1" dirty="0" smtClean="0"/>
+          </a:p>
+          <a:p>
+            <a:pPr lvl="1"/>
+            <a:r>
+              <a:rPr lang="en-US" dirty="0" smtClean="0"/>
+              <a:t>Discussing with </a:t>
+            </a:r>
+            <a:r>
+              <a:rPr lang="en-US" dirty="0" err="1" smtClean="0"/>
+              <a:t>Sten</a:t>
+            </a:r>
+            <a:r>
+              <a:rPr lang="en-US" dirty="0" smtClean="0"/>
+              <a:t>/Terry how to best read the data</a:t>
+            </a:r>
+          </a:p>
+          <a:p>
+            <a:pPr lvl="1"/>
+            <a:r>
+              <a:rPr lang="en-US" dirty="0" smtClean="0"/>
+              <a:t>Method used for other registers may not work because data is stored in different type of memory</a:t>
+            </a:r>
+          </a:p>
+          <a:p>
+            <a:pPr lvl="1"/>
+            <a:r>
+              <a:rPr lang="en-US" dirty="0" smtClean="0"/>
+              <a:t>Confirmed to be DAQ issue via interactive telnet</a:t>
+            </a:r>
           </a:p>
         </p:txBody>
       </p:sp>
     </p:spTree>
     <p:extLst>
       <p:ext uri="{BB962C8B-B14F-4D97-AF65-F5344CB8AC3E}">
-        <p14:creationId xmlns:p14="http://schemas.microsoft.com/office/powerpoint/2010/main" val="4074973322"/>
+        <p14:creationId xmlns:p14="http://schemas.microsoft.com/office/powerpoint/2010/main" val="1203480084"/>
       </p:ext>
     </p:extLst>
   </p:cSld>
   <p:clrMapOvr>
     <a:masterClrMapping/>
   </p:clrMapOvr>
-  <p:timing>
-    <p:tnLst>
-      <p:par>
-        <p:cTn id="1" dur="indefinite" restart="never" nodeType="tmRoot"/>
-      </p:par>
-    </p:tnLst>
-  </p:timing>
 </p:sld>
 </file>
 

--- a/docs/Firmware_Guide.pptx
+++ b/docs/Firmware_Guide.pptx
@@ -211,7 +211,7 @@
           <a:p>
             <a:fld id="{B8670970-D18D-4B48-8492-7C85DA272BE1}" type="datetimeFigureOut">
               <a:rPr lang="en-US" smtClean="0"/>
-              <a:t>7/17/2024</a:t>
+              <a:t>8/27/2024</a:t>
             </a:fld>
             <a:endParaRPr lang="en-US"/>
           </a:p>
@@ -1272,7 +1272,7 @@
           <a:p>
             <a:fld id="{6EF3B71E-8A38-49DA-BD53-9F2AC5071340}" type="datetimeFigureOut">
               <a:rPr lang="en-US" smtClean="0"/>
-              <a:t>7/17/2024</a:t>
+              <a:t>8/27/2024</a:t>
             </a:fld>
             <a:endParaRPr lang="en-US"/>
           </a:p>
@@ -1442,7 +1442,7 @@
           <a:p>
             <a:fld id="{6EF3B71E-8A38-49DA-BD53-9F2AC5071340}" type="datetimeFigureOut">
               <a:rPr lang="en-US" smtClean="0"/>
-              <a:t>7/17/2024</a:t>
+              <a:t>8/27/2024</a:t>
             </a:fld>
             <a:endParaRPr lang="en-US"/>
           </a:p>
@@ -1622,7 +1622,7 @@
           <a:p>
             <a:fld id="{6EF3B71E-8A38-49DA-BD53-9F2AC5071340}" type="datetimeFigureOut">
               <a:rPr lang="en-US" smtClean="0"/>
-              <a:t>7/17/2024</a:t>
+              <a:t>8/27/2024</a:t>
             </a:fld>
             <a:endParaRPr lang="en-US"/>
           </a:p>
@@ -1792,7 +1792,7 @@
           <a:p>
             <a:fld id="{6EF3B71E-8A38-49DA-BD53-9F2AC5071340}" type="datetimeFigureOut">
               <a:rPr lang="en-US" smtClean="0"/>
-              <a:t>7/17/2024</a:t>
+              <a:t>8/27/2024</a:t>
             </a:fld>
             <a:endParaRPr lang="en-US"/>
           </a:p>
@@ -2038,7 +2038,7 @@
           <a:p>
             <a:fld id="{6EF3B71E-8A38-49DA-BD53-9F2AC5071340}" type="datetimeFigureOut">
               <a:rPr lang="en-US" smtClean="0"/>
-              <a:t>7/17/2024</a:t>
+              <a:t>8/27/2024</a:t>
             </a:fld>
             <a:endParaRPr lang="en-US"/>
           </a:p>
@@ -2270,7 +2270,7 @@
           <a:p>
             <a:fld id="{6EF3B71E-8A38-49DA-BD53-9F2AC5071340}" type="datetimeFigureOut">
               <a:rPr lang="en-US" smtClean="0"/>
-              <a:t>7/17/2024</a:t>
+              <a:t>8/27/2024</a:t>
             </a:fld>
             <a:endParaRPr lang="en-US"/>
           </a:p>
@@ -2637,7 +2637,7 @@
           <a:p>
             <a:fld id="{6EF3B71E-8A38-49DA-BD53-9F2AC5071340}" type="datetimeFigureOut">
               <a:rPr lang="en-US" smtClean="0"/>
-              <a:t>7/17/2024</a:t>
+              <a:t>8/27/2024</a:t>
             </a:fld>
             <a:endParaRPr lang="en-US"/>
           </a:p>
@@ -2755,7 +2755,7 @@
           <a:p>
             <a:fld id="{6EF3B71E-8A38-49DA-BD53-9F2AC5071340}" type="datetimeFigureOut">
               <a:rPr lang="en-US" smtClean="0"/>
-              <a:t>7/17/2024</a:t>
+              <a:t>8/27/2024</a:t>
             </a:fld>
             <a:endParaRPr lang="en-US"/>
           </a:p>
@@ -2850,7 +2850,7 @@
           <a:p>
             <a:fld id="{6EF3B71E-8A38-49DA-BD53-9F2AC5071340}" type="datetimeFigureOut">
               <a:rPr lang="en-US" smtClean="0"/>
-              <a:t>7/17/2024</a:t>
+              <a:t>8/27/2024</a:t>
             </a:fld>
             <a:endParaRPr lang="en-US"/>
           </a:p>
@@ -3127,7 +3127,7 @@
           <a:p>
             <a:fld id="{6EF3B71E-8A38-49DA-BD53-9F2AC5071340}" type="datetimeFigureOut">
               <a:rPr lang="en-US" smtClean="0"/>
-              <a:t>7/17/2024</a:t>
+              <a:t>8/27/2024</a:t>
             </a:fld>
             <a:endParaRPr lang="en-US"/>
           </a:p>
@@ -3380,7 +3380,7 @@
           <a:p>
             <a:fld id="{6EF3B71E-8A38-49DA-BD53-9F2AC5071340}" type="datetimeFigureOut">
               <a:rPr lang="en-US" smtClean="0"/>
-              <a:t>7/17/2024</a:t>
+              <a:t>8/27/2024</a:t>
             </a:fld>
             <a:endParaRPr lang="en-US"/>
           </a:p>
@@ -3593,7 +3593,7 @@
           <a:p>
             <a:fld id="{6EF3B71E-8A38-49DA-BD53-9F2AC5071340}" type="datetimeFigureOut">
               <a:rPr lang="en-US" smtClean="0"/>
-              <a:t>7/17/2024</a:t>
+              <a:t>8/27/2024</a:t>
             </a:fld>
             <a:endParaRPr lang="en-US"/>
           </a:p>
@@ -4327,7 +4327,11 @@
           <a:p>
             <a:r>
               <a:rPr lang="en-US" dirty="0" smtClean="0"/>
-              <a:t>Basic Firmware Layout (Timing Details)</a:t>
+              <a:t>Basic Firmware </a:t>
+            </a:r>
+            <a:r>
+              <a:rPr lang="en-US" dirty="0" smtClean="0"/>
+              <a:t>Layout</a:t>
             </a:r>
             <a:endParaRPr lang="en-US" dirty="0"/>
           </a:p>
@@ -5597,15 +5601,16 @@
             <a:pPr algn="ctr"/>
             <a:r>
               <a:rPr lang="en-US" b="1" dirty="0" smtClean="0"/>
-              <a:t>Hold code</a:t>
+              <a:t>LATCH </a:t>
             </a:r>
           </a:p>
           <a:p>
             <a:pPr algn="ctr"/>
             <a:r>
               <a:rPr lang="en-US" b="1" dirty="0" smtClean="0"/>
-              <a:t>via gate</a:t>
-            </a:r>
+              <a:t>Trigger Code</a:t>
+            </a:r>
+            <a:endParaRPr lang="en-US" b="1" dirty="0" smtClean="0"/>
           </a:p>
         </p:txBody>
       </p:sp>
@@ -5710,15 +5715,9 @@
             <a:pPr algn="ctr"/>
             <a:r>
               <a:rPr lang="en-US" b="1" dirty="0" smtClean="0"/>
-              <a:t>Hold timestamp</a:t>
-            </a:r>
-          </a:p>
-          <a:p>
-            <a:pPr algn="ctr"/>
-            <a:r>
-              <a:rPr lang="en-US" b="1" dirty="0" smtClean="0"/>
-              <a:t>in FIFO</a:t>
-            </a:r>
+              <a:t>LATCH Timestamp</a:t>
+            </a:r>
+            <a:endParaRPr lang="en-US" b="1" dirty="0" smtClean="0"/>
           </a:p>
         </p:txBody>
       </p:sp>
@@ -6200,50 +6199,16 @@
       </p:cxnSp>
       <p:cxnSp>
         <p:nvCxnSpPr>
-          <p:cNvPr id="140" name="Elbow Connector 139"/>
+          <p:cNvPr id="143" name="Straight Arrow Connector 142"/>
           <p:cNvCxnSpPr>
             <a:stCxn id="123" idx="3"/>
-            <a:endCxn id="91" idx="0"/>
           </p:cNvCxnSpPr>
           <p:nvPr/>
         </p:nvCxnSpPr>
         <p:spPr>
-          <a:xfrm>
-            <a:off x="6684535" y="2919759"/>
-            <a:ext cx="245655" cy="1547313"/>
-          </a:xfrm>
-          <a:prstGeom prst="bentConnector2">
-            <a:avLst/>
-          </a:prstGeom>
-          <a:ln w="38100">
-            <a:tailEnd type="triangle"/>
-          </a:ln>
-        </p:spPr>
-        <p:style>
-          <a:lnRef idx="1">
-            <a:schemeClr val="accent1"/>
-          </a:lnRef>
-          <a:fillRef idx="0">
-            <a:schemeClr val="accent1"/>
-          </a:fillRef>
-          <a:effectRef idx="0">
-            <a:schemeClr val="accent1"/>
-          </a:effectRef>
-          <a:fontRef idx="minor">
-            <a:schemeClr val="tx1"/>
-          </a:fontRef>
-        </p:style>
-      </p:cxnSp>
-      <p:cxnSp>
-        <p:nvCxnSpPr>
-          <p:cNvPr id="143" name="Straight Arrow Connector 142"/>
-          <p:cNvCxnSpPr/>
-          <p:nvPr/>
-        </p:nvCxnSpPr>
-        <p:spPr>
           <a:xfrm flipV="1">
-            <a:off x="6746447" y="2906324"/>
-            <a:ext cx="1854628" cy="13435"/>
+            <a:off x="6684535" y="2906325"/>
+            <a:ext cx="1916540" cy="13434"/>
           </a:xfrm>
           <a:prstGeom prst="straightConnector1">
             <a:avLst/>
@@ -6382,44 +6347,6 @@
           </a:fontRef>
         </p:style>
       </p:cxnSp>
-      <p:sp>
-        <p:nvSpPr>
-          <p:cNvPr id="60" name="TextBox 59"/>
-          <p:cNvSpPr txBox="1"/>
-          <p:nvPr/>
-        </p:nvSpPr>
-        <p:spPr>
-          <a:xfrm>
-            <a:off x="6883878" y="3764407"/>
-            <a:ext cx="1683193" cy="646331"/>
-          </a:xfrm>
-          <a:prstGeom prst="rect">
-            <a:avLst/>
-          </a:prstGeom>
-          <a:noFill/>
-        </p:spPr>
-        <p:txBody>
-          <a:bodyPr wrap="square" rtlCol="0">
-            <a:spAutoFit/>
-          </a:bodyPr>
-          <a:lstStyle/>
-          <a:p>
-            <a:r>
-              <a:rPr lang="en-US" b="1" dirty="0" smtClean="0">
-                <a:solidFill>
-                  <a:schemeClr val="accent1"/>
-                </a:solidFill>
-              </a:rPr>
-              <a:t>Tell FIFO to send</a:t>
-            </a:r>
-            <a:endParaRPr lang="en-US" b="1" dirty="0">
-              <a:solidFill>
-                <a:schemeClr val="accent1"/>
-              </a:solidFill>
-            </a:endParaRPr>
-          </a:p>
-        </p:txBody>
-      </p:sp>
     </p:spTree>
     <p:extLst>
       <p:ext uri="{BB962C8B-B14F-4D97-AF65-F5344CB8AC3E}">
@@ -6430,6 +6357,13 @@
   <p:clrMapOvr>
     <a:masterClrMapping/>
   </p:clrMapOvr>
+  <p:timing>
+    <p:tnLst>
+      <p:par>
+        <p:cTn id="1" dur="indefinite" restart="never" nodeType="tmRoot"/>
+      </p:par>
+    </p:tnLst>
+  </p:timing>
 </p:sld>
 </file>
 
@@ -6695,7 +6629,7 @@
         </p:spPr>
         <p:txBody>
           <a:bodyPr>
-            <a:normAutofit fontScale="77500" lnSpcReduction="20000"/>
+            <a:normAutofit/>
           </a:bodyPr>
           <a:lstStyle/>
           <a:p>
@@ -6720,35 +6654,6 @@
           </a:p>
           <a:p>
             <a:r>
-              <a:rPr lang="en-US" i="1" dirty="0" err="1">
-                <a:latin typeface="Consolas" panose="020B0609020204030204" pitchFamily="49" charset="0"/>
-              </a:rPr>
-              <a:t>smalltest</a:t>
-            </a:r>
-            <a:r>
-              <a:rPr lang="en-US" b="1" i="1" dirty="0"/>
-              <a:t> </a:t>
-            </a:r>
-            <a:r>
-              <a:rPr lang="en-US" dirty="0"/>
-              <a:t>– Will not be ported to 5560; sets a small few registers and will be wrapped into </a:t>
-            </a:r>
-            <a:r>
-              <a:rPr lang="en-US" dirty="0" err="1">
-                <a:latin typeface="Consolas" panose="020B0609020204030204" pitchFamily="49" charset="0"/>
-              </a:rPr>
-              <a:t>setregisters</a:t>
-            </a:r>
-            <a:r>
-              <a:rPr lang="en-US" dirty="0" smtClean="0"/>
-              <a:t>.</a:t>
-            </a:r>
-            <a:endParaRPr lang="en-US" b="1" dirty="0" smtClean="0">
-              <a:latin typeface="Consolas" panose="020B0609020204030204" pitchFamily="49" charset="0"/>
-            </a:endParaRPr>
-          </a:p>
-          <a:p>
-            <a:r>
               <a:rPr lang="en-US" dirty="0" err="1" smtClean="0">
                 <a:latin typeface="Consolas" panose="020B0609020204030204" pitchFamily="49" charset="0"/>
               </a:rPr>
@@ -6772,10 +6677,10 @@
           </a:p>
           <a:p>
             <a:r>
-              <a:rPr lang="en-US" b="1" dirty="0" err="1" smtClean="0">
+              <a:rPr lang="en-US" b="1" dirty="0" smtClean="0">
                 <a:latin typeface="Consolas" panose="020B0609020204030204" pitchFamily="49" charset="0"/>
               </a:rPr>
-              <a:t>scanrate</a:t>
+              <a:t>rate</a:t>
             </a:r>
             <a:r>
               <a:rPr lang="en-US" b="1" dirty="0" smtClean="0"/>
@@ -6783,67 +6688,11 @@
             </a:r>
             <a:r>
               <a:rPr lang="en-US" dirty="0" smtClean="0"/>
-              <a:t>– gets the rate at different lower thresholds and reports them back.</a:t>
-            </a:r>
-          </a:p>
-          <a:p>
-            <a:r>
-              <a:rPr lang="en-US" b="1" dirty="0" err="1">
-                <a:latin typeface="Consolas" panose="020B0609020204030204" pitchFamily="49" charset="0"/>
-              </a:rPr>
-              <a:t>scanupper</a:t>
-            </a:r>
-            <a:r>
-              <a:rPr lang="en-US" b="1" dirty="0"/>
-              <a:t> </a:t>
-            </a:r>
-            <a:r>
-              <a:rPr lang="en-US" dirty="0"/>
-              <a:t>– gets the rate at different upper thresholds and reports them back</a:t>
+              <a:t>– gets the rate at </a:t>
             </a:r>
             <a:r>
               <a:rPr lang="en-US" dirty="0" smtClean="0"/>
-              <a:t>.</a:t>
-            </a:r>
-          </a:p>
-          <a:p>
-            <a:r>
-              <a:rPr lang="en-US" b="1" dirty="0" err="1">
-                <a:latin typeface="Consolas" panose="020B0609020204030204" pitchFamily="49" charset="0"/>
-              </a:rPr>
-              <a:t>scanwindow</a:t>
-            </a:r>
-            <a:r>
-              <a:rPr lang="en-US" b="1" dirty="0"/>
-              <a:t> </a:t>
-            </a:r>
-            <a:r>
-              <a:rPr lang="en-US" dirty="0"/>
-              <a:t>– gets the rate at different upper + lower thresholds of the same width and reports them back</a:t>
-            </a:r>
-            <a:r>
-              <a:rPr lang="en-US" dirty="0" smtClean="0"/>
-              <a:t>.</a:t>
-            </a:r>
-          </a:p>
-          <a:p>
-            <a:r>
-              <a:rPr lang="en-US" b="1" i="1" dirty="0" err="1">
-                <a:latin typeface="Consolas" panose="020B0609020204030204" pitchFamily="49" charset="0"/>
-              </a:rPr>
-              <a:t>singlerate</a:t>
-            </a:r>
-            <a:r>
-              <a:rPr lang="en-US" b="1" dirty="0"/>
-              <a:t> </a:t>
-            </a:r>
-            <a:r>
-              <a:rPr lang="en-US" dirty="0"/>
-              <a:t>– gets the rate once, at current thresholds</a:t>
-            </a:r>
-            <a:r>
-              <a:rPr lang="en-US" dirty="0" smtClean="0"/>
-              <a:t>.</a:t>
+              <a:t>a configurable combination/series of thresholds and reports them back. </a:t>
             </a:r>
           </a:p>
           <a:p>
@@ -6875,51 +6724,13 @@
             </a:r>
             <a:r>
               <a:rPr lang="en-US" dirty="0" smtClean="0"/>
-              <a:t>– retrieves packet data with energies, timestamps, and trigger codes.</a:t>
+              <a:t>– retrieves packet data with energies, timestamps, and trigger codes</a:t>
+            </a:r>
+            <a:r>
+              <a:rPr lang="en-US" dirty="0" smtClean="0"/>
+              <a:t>.</a:t>
             </a:r>
             <a:endParaRPr lang="en-US" b="1" dirty="0" smtClean="0"/>
-          </a:p>
-          <a:p>
-            <a:r>
-              <a:rPr lang="en-US" i="1" dirty="0" err="1" smtClean="0">
-                <a:latin typeface="Consolas" panose="020B0609020204030204" pitchFamily="49" charset="0"/>
-              </a:rPr>
-              <a:t>fifotest</a:t>
-            </a:r>
-            <a:r>
-              <a:rPr lang="en-US" i="1" dirty="0" smtClean="0"/>
-              <a:t> </a:t>
-            </a:r>
-            <a:r>
-              <a:rPr lang="en-US" i="1" dirty="0"/>
-              <a:t>– </a:t>
-            </a:r>
-            <a:r>
-              <a:rPr lang="en-US" dirty="0"/>
-              <a:t>defunct. </a:t>
-            </a:r>
-            <a:r>
-              <a:rPr lang="en-US" dirty="0" smtClean="0"/>
-              <a:t>Retrieved a register (no longer exists) to verify data went into a FIFO.</a:t>
-            </a:r>
-            <a:endParaRPr lang="en-US" i="1" dirty="0" smtClean="0"/>
-          </a:p>
-          <a:p>
-            <a:r>
-              <a:rPr lang="en-US" i="1" dirty="0" err="1" smtClean="0">
-                <a:latin typeface="Consolas" panose="020B0609020204030204" pitchFamily="49" charset="0"/>
-              </a:rPr>
-              <a:t>fttest</a:t>
-            </a:r>
-            <a:r>
-              <a:rPr lang="en-US" i="1" dirty="0" smtClean="0"/>
-              <a:t> </a:t>
-            </a:r>
-            <a:r>
-              <a:rPr lang="en-US" dirty="0" smtClean="0"/>
-              <a:t>– Defunct. Tested possibility of connection using an alternate backend.</a:t>
-            </a:r>
-            <a:endParaRPr lang="en-US" b="1" dirty="0"/>
           </a:p>
         </p:txBody>
       </p:sp>
@@ -7485,7 +7296,11 @@
           <a:p>
             <a:r>
               <a:rPr lang="en-US" dirty="0" smtClean="0"/>
-              <a:t>Main Trigger Process</a:t>
+              <a:t>Simplified </a:t>
+            </a:r>
+            <a:r>
+              <a:rPr lang="en-US" dirty="0" smtClean="0"/>
+              <a:t>Trigger Process</a:t>
             </a:r>
             <a:endParaRPr lang="en-US" dirty="0"/>
           </a:p>
@@ -11330,11 +11145,7 @@
           <a:p>
             <a:r>
               <a:rPr lang="en-US" dirty="0" smtClean="0"/>
-              <a:t>Current </a:t>
-            </a:r>
-            <a:r>
-              <a:rPr lang="en-US" dirty="0" smtClean="0"/>
-              <a:t>Issues</a:t>
+              <a:t>Current Issues</a:t>
             </a:r>
             <a:endParaRPr lang="en-US" dirty="0"/>
           </a:p>
@@ -11372,11 +11183,7 @@
             </a:r>
             <a:r>
               <a:rPr lang="en-US" dirty="0" smtClean="0"/>
-              <a:t>similar, sometimes with a difference of </a:t>
-            </a:r>
-            <a:r>
-              <a:rPr lang="en-US" dirty="0" smtClean="0"/>
-              <a:t>1-2</a:t>
+              <a:t>similar, sometimes with a difference of 1-2</a:t>
             </a:r>
           </a:p>
           <a:p>
@@ -11385,14 +11192,12 @@
               <a:rPr lang="en-US" dirty="0" smtClean="0"/>
               <a:t>Still true? Or resolved alongside other issues?</a:t>
             </a:r>
-            <a:endParaRPr lang="en-US" dirty="0" smtClean="0"/>
           </a:p>
           <a:p>
             <a:r>
               <a:rPr lang="en-US" b="1" dirty="0" smtClean="0"/>
               <a:t>If we send more than 24 timestamps at once, we lose some data at the end</a:t>
             </a:r>
-            <a:endParaRPr lang="en-US" b="1" dirty="0" smtClean="0"/>
           </a:p>
           <a:p>
             <a:pPr lvl="1"/>
